--- a/hw02.pptx
+++ b/hw02.pptx
@@ -4,8 +4,17 @@
   <p:sldMasterIdLst>
     <p:sldMasterId id="2147483648" r:id="rId1"/>
   </p:sldMasterIdLst>
+  <p:notesMasterIdLst>
+    <p:notesMasterId r:id="rId9"/>
+  </p:notesMasterIdLst>
   <p:sldIdLst>
-    <p:sldId id="256" r:id="rId2"/>
+    <p:sldId id="257" r:id="rId2"/>
+    <p:sldId id="258" r:id="rId3"/>
+    <p:sldId id="259" r:id="rId4"/>
+    <p:sldId id="260" r:id="rId5"/>
+    <p:sldId id="261" r:id="rId6"/>
+    <p:sldId id="262" r:id="rId7"/>
+    <p:sldId id="263" r:id="rId8"/>
   </p:sldIdLst>
   <p:sldSz cx="12192000" cy="6858000"/>
   <p:notesSz cx="6858000" cy="9144000"/>
@@ -104,7 +113,982 @@
       </a:defRPr>
     </a:lvl9pPr>
   </p:defaultTextStyle>
+  <p:extLst>
+    <p:ext uri="{EFAFB233-063F-42B5-8137-9DF3F51BA10A}">
+      <p15:sldGuideLst xmlns:p15="http://schemas.microsoft.com/office/powerpoint/2012/main"/>
+    </p:ext>
+  </p:extLst>
 </p:presentation>
+</file>
+
+<file path=ppt/commentAuthors.xml><?xml version="1.0" encoding="utf-8"?>
+<p:cmAuthorLst xmlns:a="http://schemas.openxmlformats.org/drawingml/2006/main" xmlns:r="http://schemas.openxmlformats.org/officeDocument/2006/relationships" xmlns:p="http://schemas.openxmlformats.org/presentationml/2006/main">
+  <p:cmAuthor id="1" name="林鈺翔" initials="林鈺翔" lastIdx="2" clrIdx="0">
+    <p:extLst>
+      <p:ext uri="{19B8F6BF-5375-455C-9EA6-DF929625EA0E}">
+        <p15:presenceInfo xmlns:p15="http://schemas.microsoft.com/office/powerpoint/2012/main" userId="林鈺翔" providerId="None"/>
+      </p:ext>
+    </p:extLst>
+  </p:cmAuthor>
+</p:cmAuthorLst>
+</file>
+
+<file path=ppt/notesMasters/notesMaster1.xml><?xml version="1.0" encoding="utf-8"?>
+<p:notesMaster xmlns:a="http://schemas.openxmlformats.org/drawingml/2006/main" xmlns:r="http://schemas.openxmlformats.org/officeDocument/2006/relationships" xmlns:p="http://schemas.openxmlformats.org/presentationml/2006/main">
+  <p:cSld>
+    <p:bg>
+      <p:bgRef idx="1001">
+        <a:schemeClr val="bg1"/>
+      </p:bgRef>
+    </p:bg>
+    <p:spTree>
+      <p:nvGrpSpPr>
+        <p:cNvPr id="1" name=""/>
+        <p:cNvGrpSpPr/>
+        <p:nvPr/>
+      </p:nvGrpSpPr>
+      <p:grpSpPr>
+        <a:xfrm>
+          <a:off x="0" y="0"/>
+          <a:ext cx="0" cy="0"/>
+          <a:chOff x="0" y="0"/>
+          <a:chExt cx="0" cy="0"/>
+        </a:xfrm>
+      </p:grpSpPr>
+      <p:sp>
+        <p:nvSpPr>
+          <p:cNvPr id="2" name="頁首版面配置區 1"/>
+          <p:cNvSpPr>
+            <a:spLocks noGrp="1"/>
+          </p:cNvSpPr>
+          <p:nvPr>
+            <p:ph type="hdr" sz="quarter"/>
+          </p:nvPr>
+        </p:nvSpPr>
+        <p:spPr>
+          <a:xfrm>
+            <a:off x="0" y="0"/>
+            <a:ext cx="2971800" cy="458788"/>
+          </a:xfrm>
+          <a:prstGeom prst="rect">
+            <a:avLst/>
+          </a:prstGeom>
+        </p:spPr>
+        <p:txBody>
+          <a:bodyPr vert="horz" lIns="91440" tIns="45720" rIns="91440" bIns="45720" rtlCol="0"/>
+          <a:lstStyle>
+            <a:lvl1pPr algn="l">
+              <a:defRPr sz="1200"/>
+            </a:lvl1pPr>
+          </a:lstStyle>
+          <a:p>
+            <a:endParaRPr lang="zh-TW" altLang="en-US"/>
+          </a:p>
+        </p:txBody>
+      </p:sp>
+      <p:sp>
+        <p:nvSpPr>
+          <p:cNvPr id="3" name="日期版面配置區 2"/>
+          <p:cNvSpPr>
+            <a:spLocks noGrp="1"/>
+          </p:cNvSpPr>
+          <p:nvPr>
+            <p:ph type="dt" idx="1"/>
+          </p:nvPr>
+        </p:nvSpPr>
+        <p:spPr>
+          <a:xfrm>
+            <a:off x="3884613" y="0"/>
+            <a:ext cx="2971800" cy="458788"/>
+          </a:xfrm>
+          <a:prstGeom prst="rect">
+            <a:avLst/>
+          </a:prstGeom>
+        </p:spPr>
+        <p:txBody>
+          <a:bodyPr vert="horz" lIns="91440" tIns="45720" rIns="91440" bIns="45720" rtlCol="0"/>
+          <a:lstStyle>
+            <a:lvl1pPr algn="r">
+              <a:defRPr sz="1200"/>
+            </a:lvl1pPr>
+          </a:lstStyle>
+          <a:p>
+            <a:fld id="{056E2BC1-B199-4F52-9DB2-2842F51B33E5}" type="datetimeFigureOut">
+              <a:rPr lang="zh-TW" altLang="en-US" smtClean="0"/>
+              <a:t>2024/10/29</a:t>
+            </a:fld>
+            <a:endParaRPr lang="zh-TW" altLang="en-US"/>
+          </a:p>
+        </p:txBody>
+      </p:sp>
+      <p:sp>
+        <p:nvSpPr>
+          <p:cNvPr id="4" name="投影片影像版面配置區 3"/>
+          <p:cNvSpPr>
+            <a:spLocks noGrp="1" noRot="1" noChangeAspect="1"/>
+          </p:cNvSpPr>
+          <p:nvPr>
+            <p:ph type="sldImg" idx="2"/>
+          </p:nvPr>
+        </p:nvSpPr>
+        <p:spPr>
+          <a:xfrm>
+            <a:off x="685800" y="1143000"/>
+            <a:ext cx="5486400" cy="3086100"/>
+          </a:xfrm>
+          <a:prstGeom prst="rect">
+            <a:avLst/>
+          </a:prstGeom>
+          <a:noFill/>
+          <a:ln w="12700">
+            <a:solidFill>
+              <a:prstClr val="black"/>
+            </a:solidFill>
+          </a:ln>
+        </p:spPr>
+        <p:txBody>
+          <a:bodyPr vert="horz" lIns="91440" tIns="45720" rIns="91440" bIns="45720" rtlCol="0" anchor="ctr"/>
+          <a:lstStyle/>
+          <a:p>
+            <a:endParaRPr lang="zh-TW" altLang="en-US"/>
+          </a:p>
+        </p:txBody>
+      </p:sp>
+      <p:sp>
+        <p:nvSpPr>
+          <p:cNvPr id="5" name="備忘稿版面配置區 4"/>
+          <p:cNvSpPr>
+            <a:spLocks noGrp="1"/>
+          </p:cNvSpPr>
+          <p:nvPr>
+            <p:ph type="body" sz="quarter" idx="3"/>
+          </p:nvPr>
+        </p:nvSpPr>
+        <p:spPr>
+          <a:xfrm>
+            <a:off x="685800" y="4400550"/>
+            <a:ext cx="5486400" cy="3600450"/>
+          </a:xfrm>
+          <a:prstGeom prst="rect">
+            <a:avLst/>
+          </a:prstGeom>
+        </p:spPr>
+        <p:txBody>
+          <a:bodyPr vert="horz" lIns="91440" tIns="45720" rIns="91440" bIns="45720" rtlCol="0"/>
+          <a:lstStyle/>
+          <a:p>
+            <a:pPr lvl="0"/>
+            <a:r>
+              <a:rPr lang="zh-TW" altLang="en-US"/>
+              <a:t>編輯母片文字樣式</a:t>
+            </a:r>
+          </a:p>
+          <a:p>
+            <a:pPr lvl="1"/>
+            <a:r>
+              <a:rPr lang="zh-TW" altLang="en-US"/>
+              <a:t>第二層</a:t>
+            </a:r>
+          </a:p>
+          <a:p>
+            <a:pPr lvl="2"/>
+            <a:r>
+              <a:rPr lang="zh-TW" altLang="en-US"/>
+              <a:t>第三層</a:t>
+            </a:r>
+          </a:p>
+          <a:p>
+            <a:pPr lvl="3"/>
+            <a:r>
+              <a:rPr lang="zh-TW" altLang="en-US"/>
+              <a:t>第四層</a:t>
+            </a:r>
+          </a:p>
+          <a:p>
+            <a:pPr lvl="4"/>
+            <a:r>
+              <a:rPr lang="zh-TW" altLang="en-US"/>
+              <a:t>第五層</a:t>
+            </a:r>
+          </a:p>
+        </p:txBody>
+      </p:sp>
+      <p:sp>
+        <p:nvSpPr>
+          <p:cNvPr id="6" name="頁尾版面配置區 5"/>
+          <p:cNvSpPr>
+            <a:spLocks noGrp="1"/>
+          </p:cNvSpPr>
+          <p:nvPr>
+            <p:ph type="ftr" sz="quarter" idx="4"/>
+          </p:nvPr>
+        </p:nvSpPr>
+        <p:spPr>
+          <a:xfrm>
+            <a:off x="0" y="8685213"/>
+            <a:ext cx="2971800" cy="458787"/>
+          </a:xfrm>
+          <a:prstGeom prst="rect">
+            <a:avLst/>
+          </a:prstGeom>
+        </p:spPr>
+        <p:txBody>
+          <a:bodyPr vert="horz" lIns="91440" tIns="45720" rIns="91440" bIns="45720" rtlCol="0" anchor="b"/>
+          <a:lstStyle>
+            <a:lvl1pPr algn="l">
+              <a:defRPr sz="1200"/>
+            </a:lvl1pPr>
+          </a:lstStyle>
+          <a:p>
+            <a:endParaRPr lang="zh-TW" altLang="en-US"/>
+          </a:p>
+        </p:txBody>
+      </p:sp>
+      <p:sp>
+        <p:nvSpPr>
+          <p:cNvPr id="7" name="投影片編號版面配置區 6"/>
+          <p:cNvSpPr>
+            <a:spLocks noGrp="1"/>
+          </p:cNvSpPr>
+          <p:nvPr>
+            <p:ph type="sldNum" sz="quarter" idx="5"/>
+          </p:nvPr>
+        </p:nvSpPr>
+        <p:spPr>
+          <a:xfrm>
+            <a:off x="3884613" y="8685213"/>
+            <a:ext cx="2971800" cy="458787"/>
+          </a:xfrm>
+          <a:prstGeom prst="rect">
+            <a:avLst/>
+          </a:prstGeom>
+        </p:spPr>
+        <p:txBody>
+          <a:bodyPr vert="horz" lIns="91440" tIns="45720" rIns="91440" bIns="45720" rtlCol="0" anchor="b"/>
+          <a:lstStyle>
+            <a:lvl1pPr algn="r">
+              <a:defRPr sz="1200"/>
+            </a:lvl1pPr>
+          </a:lstStyle>
+          <a:p>
+            <a:fld id="{5EE87CCD-B1EE-424F-B7F5-A33C4C704A18}" type="slidenum">
+              <a:rPr lang="zh-TW" altLang="en-US" smtClean="0"/>
+              <a:t>‹#›</a:t>
+            </a:fld>
+            <a:endParaRPr lang="zh-TW" altLang="en-US"/>
+          </a:p>
+        </p:txBody>
+      </p:sp>
+    </p:spTree>
+    <p:extLst>
+      <p:ext uri="{BB962C8B-B14F-4D97-AF65-F5344CB8AC3E}">
+        <p14:creationId xmlns:p14="http://schemas.microsoft.com/office/powerpoint/2010/main" val="3316185205"/>
+      </p:ext>
+    </p:extLst>
+  </p:cSld>
+  <p:clrMap bg1="lt1" tx1="dk1" bg2="lt2" tx2="dk2" accent1="accent1" accent2="accent2" accent3="accent3" accent4="accent4" accent5="accent5" accent6="accent6" hlink="hlink" folHlink="folHlink"/>
+  <p:notesStyle>
+    <a:lvl1pPr marL="0" algn="l" defTabSz="914400" rtl="0" eaLnBrk="1" latinLnBrk="0" hangingPunct="1">
+      <a:defRPr sz="1200" kern="1200">
+        <a:solidFill>
+          <a:schemeClr val="tx1"/>
+        </a:solidFill>
+        <a:latin typeface="+mn-lt"/>
+        <a:ea typeface="+mn-ea"/>
+        <a:cs typeface="+mn-cs"/>
+      </a:defRPr>
+    </a:lvl1pPr>
+    <a:lvl2pPr marL="457200" algn="l" defTabSz="914400" rtl="0" eaLnBrk="1" latinLnBrk="0" hangingPunct="1">
+      <a:defRPr sz="1200" kern="1200">
+        <a:solidFill>
+          <a:schemeClr val="tx1"/>
+        </a:solidFill>
+        <a:latin typeface="+mn-lt"/>
+        <a:ea typeface="+mn-ea"/>
+        <a:cs typeface="+mn-cs"/>
+      </a:defRPr>
+    </a:lvl2pPr>
+    <a:lvl3pPr marL="914400" algn="l" defTabSz="914400" rtl="0" eaLnBrk="1" latinLnBrk="0" hangingPunct="1">
+      <a:defRPr sz="1200" kern="1200">
+        <a:solidFill>
+          <a:schemeClr val="tx1"/>
+        </a:solidFill>
+        <a:latin typeface="+mn-lt"/>
+        <a:ea typeface="+mn-ea"/>
+        <a:cs typeface="+mn-cs"/>
+      </a:defRPr>
+    </a:lvl3pPr>
+    <a:lvl4pPr marL="1371600" algn="l" defTabSz="914400" rtl="0" eaLnBrk="1" latinLnBrk="0" hangingPunct="1">
+      <a:defRPr sz="1200" kern="1200">
+        <a:solidFill>
+          <a:schemeClr val="tx1"/>
+        </a:solidFill>
+        <a:latin typeface="+mn-lt"/>
+        <a:ea typeface="+mn-ea"/>
+        <a:cs typeface="+mn-cs"/>
+      </a:defRPr>
+    </a:lvl4pPr>
+    <a:lvl5pPr marL="1828800" algn="l" defTabSz="914400" rtl="0" eaLnBrk="1" latinLnBrk="0" hangingPunct="1">
+      <a:defRPr sz="1200" kern="1200">
+        <a:solidFill>
+          <a:schemeClr val="tx1"/>
+        </a:solidFill>
+        <a:latin typeface="+mn-lt"/>
+        <a:ea typeface="+mn-ea"/>
+        <a:cs typeface="+mn-cs"/>
+      </a:defRPr>
+    </a:lvl5pPr>
+    <a:lvl6pPr marL="2286000" algn="l" defTabSz="914400" rtl="0" eaLnBrk="1" latinLnBrk="0" hangingPunct="1">
+      <a:defRPr sz="1200" kern="1200">
+        <a:solidFill>
+          <a:schemeClr val="tx1"/>
+        </a:solidFill>
+        <a:latin typeface="+mn-lt"/>
+        <a:ea typeface="+mn-ea"/>
+        <a:cs typeface="+mn-cs"/>
+      </a:defRPr>
+    </a:lvl6pPr>
+    <a:lvl7pPr marL="2743200" algn="l" defTabSz="914400" rtl="0" eaLnBrk="1" latinLnBrk="0" hangingPunct="1">
+      <a:defRPr sz="1200" kern="1200">
+        <a:solidFill>
+          <a:schemeClr val="tx1"/>
+        </a:solidFill>
+        <a:latin typeface="+mn-lt"/>
+        <a:ea typeface="+mn-ea"/>
+        <a:cs typeface="+mn-cs"/>
+      </a:defRPr>
+    </a:lvl7pPr>
+    <a:lvl8pPr marL="3200400" algn="l" defTabSz="914400" rtl="0" eaLnBrk="1" latinLnBrk="0" hangingPunct="1">
+      <a:defRPr sz="1200" kern="1200">
+        <a:solidFill>
+          <a:schemeClr val="tx1"/>
+        </a:solidFill>
+        <a:latin typeface="+mn-lt"/>
+        <a:ea typeface="+mn-ea"/>
+        <a:cs typeface="+mn-cs"/>
+      </a:defRPr>
+    </a:lvl8pPr>
+    <a:lvl9pPr marL="3657600" algn="l" defTabSz="914400" rtl="0" eaLnBrk="1" latinLnBrk="0" hangingPunct="1">
+      <a:defRPr sz="1200" kern="1200">
+        <a:solidFill>
+          <a:schemeClr val="tx1"/>
+        </a:solidFill>
+        <a:latin typeface="+mn-lt"/>
+        <a:ea typeface="+mn-ea"/>
+        <a:cs typeface="+mn-cs"/>
+      </a:defRPr>
+    </a:lvl9pPr>
+  </p:notesStyle>
+</p:notesMaster>
+</file>
+
+<file path=ppt/notesSlides/notesSlide1.xml><?xml version="1.0" encoding="utf-8"?>
+<p:notes xmlns:a="http://schemas.openxmlformats.org/drawingml/2006/main" xmlns:r="http://schemas.openxmlformats.org/officeDocument/2006/relationships" xmlns:p="http://schemas.openxmlformats.org/presentationml/2006/main">
+  <p:cSld>
+    <p:spTree>
+      <p:nvGrpSpPr>
+        <p:cNvPr id="1" name=""/>
+        <p:cNvGrpSpPr/>
+        <p:nvPr/>
+      </p:nvGrpSpPr>
+      <p:grpSpPr>
+        <a:xfrm>
+          <a:off x="0" y="0"/>
+          <a:ext cx="0" cy="0"/>
+          <a:chOff x="0" y="0"/>
+          <a:chExt cx="0" cy="0"/>
+        </a:xfrm>
+      </p:grpSpPr>
+      <p:sp>
+        <p:nvSpPr>
+          <p:cNvPr id="2" name="投影片影像版面配置區 1"/>
+          <p:cNvSpPr>
+            <a:spLocks noGrp="1" noRot="1" noChangeAspect="1"/>
+          </p:cNvSpPr>
+          <p:nvPr>
+            <p:ph type="sldImg"/>
+          </p:nvPr>
+        </p:nvSpPr>
+        <p:spPr/>
+      </p:sp>
+      <p:sp>
+        <p:nvSpPr>
+          <p:cNvPr id="3" name="備忘稿版面配置區 2"/>
+          <p:cNvSpPr>
+            <a:spLocks noGrp="1"/>
+          </p:cNvSpPr>
+          <p:nvPr>
+            <p:ph type="body" idx="1"/>
+          </p:nvPr>
+        </p:nvSpPr>
+        <p:spPr/>
+        <p:txBody>
+          <a:bodyPr/>
+          <a:lstStyle/>
+          <a:p>
+            <a:r>
+              <a:rPr lang="zh-TW" altLang="en-US" dirty="0"/>
+              <a:t>生成一個黑短髮動漫男孩，這邊是我給了的形象圖，一開始男孩站在一座遠方的青雲山籠前，山罩著黑霧，裡頭隱藏著一股邪惡力量</a:t>
+            </a:r>
+          </a:p>
+        </p:txBody>
+      </p:sp>
+      <p:sp>
+        <p:nvSpPr>
+          <p:cNvPr id="4" name="投影片編號版面配置區 3"/>
+          <p:cNvSpPr>
+            <a:spLocks noGrp="1"/>
+          </p:cNvSpPr>
+          <p:nvPr>
+            <p:ph type="sldNum" sz="quarter" idx="5"/>
+          </p:nvPr>
+        </p:nvSpPr>
+        <p:spPr/>
+        <p:txBody>
+          <a:bodyPr/>
+          <a:lstStyle/>
+          <a:p>
+            <a:fld id="{5EE87CCD-B1EE-424F-B7F5-A33C4C704A18}" type="slidenum">
+              <a:rPr lang="zh-TW" altLang="en-US" smtClean="0"/>
+              <a:t>1</a:t>
+            </a:fld>
+            <a:endParaRPr lang="zh-TW" altLang="en-US"/>
+          </a:p>
+        </p:txBody>
+      </p:sp>
+    </p:spTree>
+    <p:extLst>
+      <p:ext uri="{BB962C8B-B14F-4D97-AF65-F5344CB8AC3E}">
+        <p14:creationId xmlns:p14="http://schemas.microsoft.com/office/powerpoint/2010/main" val="4107066040"/>
+      </p:ext>
+    </p:extLst>
+  </p:cSld>
+  <p:clrMapOvr>
+    <a:masterClrMapping/>
+  </p:clrMapOvr>
+</p:notes>
+</file>
+
+<file path=ppt/notesSlides/notesSlide2.xml><?xml version="1.0" encoding="utf-8"?>
+<p:notes xmlns:a="http://schemas.openxmlformats.org/drawingml/2006/main" xmlns:r="http://schemas.openxmlformats.org/officeDocument/2006/relationships" xmlns:p="http://schemas.openxmlformats.org/presentationml/2006/main">
+  <p:cSld>
+    <p:spTree>
+      <p:nvGrpSpPr>
+        <p:cNvPr id="1" name=""/>
+        <p:cNvGrpSpPr/>
+        <p:nvPr/>
+      </p:nvGrpSpPr>
+      <p:grpSpPr>
+        <a:xfrm>
+          <a:off x="0" y="0"/>
+          <a:ext cx="0" cy="0"/>
+          <a:chOff x="0" y="0"/>
+          <a:chExt cx="0" cy="0"/>
+        </a:xfrm>
+      </p:grpSpPr>
+      <p:sp>
+        <p:nvSpPr>
+          <p:cNvPr id="2" name="投影片影像版面配置區 1"/>
+          <p:cNvSpPr>
+            <a:spLocks noGrp="1" noRot="1" noChangeAspect="1"/>
+          </p:cNvSpPr>
+          <p:nvPr>
+            <p:ph type="sldImg"/>
+          </p:nvPr>
+        </p:nvSpPr>
+        <p:spPr/>
+      </p:sp>
+      <p:sp>
+        <p:nvSpPr>
+          <p:cNvPr id="3" name="備忘稿版面配置區 2"/>
+          <p:cNvSpPr>
+            <a:spLocks noGrp="1"/>
+          </p:cNvSpPr>
+          <p:nvPr>
+            <p:ph type="body" idx="1"/>
+          </p:nvPr>
+        </p:nvSpPr>
+        <p:spPr/>
+        <p:txBody>
+          <a:bodyPr/>
+          <a:lstStyle/>
+          <a:p>
+            <a:r>
+              <a:rPr lang="zh-TW" altLang="en-US" dirty="0"/>
+              <a:t>男孩踏上旅途時，各種阻礙接踵而來。不僅有山中的凶猛野獸與被黑霧控制的村民，更有早已潛伏在青雲山的暗影刺客</a:t>
+            </a:r>
+          </a:p>
+        </p:txBody>
+      </p:sp>
+      <p:sp>
+        <p:nvSpPr>
+          <p:cNvPr id="4" name="投影片編號版面配置區 3"/>
+          <p:cNvSpPr>
+            <a:spLocks noGrp="1"/>
+          </p:cNvSpPr>
+          <p:nvPr>
+            <p:ph type="sldNum" sz="quarter" idx="5"/>
+          </p:nvPr>
+        </p:nvSpPr>
+        <p:spPr/>
+        <p:txBody>
+          <a:bodyPr/>
+          <a:lstStyle/>
+          <a:p>
+            <a:fld id="{5EE87CCD-B1EE-424F-B7F5-A33C4C704A18}" type="slidenum">
+              <a:rPr lang="zh-TW" altLang="en-US" smtClean="0"/>
+              <a:t>2</a:t>
+            </a:fld>
+            <a:endParaRPr lang="zh-TW" altLang="en-US"/>
+          </a:p>
+        </p:txBody>
+      </p:sp>
+    </p:spTree>
+    <p:extLst>
+      <p:ext uri="{BB962C8B-B14F-4D97-AF65-F5344CB8AC3E}">
+        <p14:creationId xmlns:p14="http://schemas.microsoft.com/office/powerpoint/2010/main" val="1858230441"/>
+      </p:ext>
+    </p:extLst>
+  </p:cSld>
+  <p:clrMapOvr>
+    <a:masterClrMapping/>
+  </p:clrMapOvr>
+</p:notes>
+</file>
+
+<file path=ppt/notesSlides/notesSlide3.xml><?xml version="1.0" encoding="utf-8"?>
+<p:notes xmlns:a="http://schemas.openxmlformats.org/drawingml/2006/main" xmlns:r="http://schemas.openxmlformats.org/officeDocument/2006/relationships" xmlns:p="http://schemas.openxmlformats.org/presentationml/2006/main">
+  <p:cSld>
+    <p:spTree>
+      <p:nvGrpSpPr>
+        <p:cNvPr id="1" name=""/>
+        <p:cNvGrpSpPr/>
+        <p:nvPr/>
+      </p:nvGrpSpPr>
+      <p:grpSpPr>
+        <a:xfrm>
+          <a:off x="0" y="0"/>
+          <a:ext cx="0" cy="0"/>
+          <a:chOff x="0" y="0"/>
+          <a:chExt cx="0" cy="0"/>
+        </a:xfrm>
+      </p:grpSpPr>
+      <p:sp>
+        <p:nvSpPr>
+          <p:cNvPr id="2" name="投影片影像版面配置區 1"/>
+          <p:cNvSpPr>
+            <a:spLocks noGrp="1" noRot="1" noChangeAspect="1"/>
+          </p:cNvSpPr>
+          <p:nvPr>
+            <p:ph type="sldImg"/>
+          </p:nvPr>
+        </p:nvSpPr>
+        <p:spPr/>
+      </p:sp>
+      <p:sp>
+        <p:nvSpPr>
+          <p:cNvPr id="3" name="備忘稿版面配置區 2"/>
+          <p:cNvSpPr>
+            <a:spLocks noGrp="1"/>
+          </p:cNvSpPr>
+          <p:nvPr>
+            <p:ph type="body" idx="1"/>
+          </p:nvPr>
+        </p:nvSpPr>
+        <p:spPr/>
+        <p:txBody>
+          <a:bodyPr/>
+          <a:lstStyle/>
+          <a:p>
+            <a:r>
+              <a:rPr lang="zh-TW" altLang="en-US" dirty="0"/>
+              <a:t>男孩面對困境並未退縮，而是日夜鍛鍊自己的身心，進一步探索「龍魂劍」的奧秘。</a:t>
+            </a:r>
+          </a:p>
+        </p:txBody>
+      </p:sp>
+      <p:sp>
+        <p:nvSpPr>
+          <p:cNvPr id="4" name="投影片編號版面配置區 3"/>
+          <p:cNvSpPr>
+            <a:spLocks noGrp="1"/>
+          </p:cNvSpPr>
+          <p:nvPr>
+            <p:ph type="sldNum" sz="quarter" idx="5"/>
+          </p:nvPr>
+        </p:nvSpPr>
+        <p:spPr/>
+        <p:txBody>
+          <a:bodyPr/>
+          <a:lstStyle/>
+          <a:p>
+            <a:fld id="{5EE87CCD-B1EE-424F-B7F5-A33C4C704A18}" type="slidenum">
+              <a:rPr lang="zh-TW" altLang="en-US" smtClean="0"/>
+              <a:t>3</a:t>
+            </a:fld>
+            <a:endParaRPr lang="zh-TW" altLang="en-US"/>
+          </a:p>
+        </p:txBody>
+      </p:sp>
+    </p:spTree>
+    <p:extLst>
+      <p:ext uri="{BB962C8B-B14F-4D97-AF65-F5344CB8AC3E}">
+        <p14:creationId xmlns:p14="http://schemas.microsoft.com/office/powerpoint/2010/main" val="531222507"/>
+      </p:ext>
+    </p:extLst>
+  </p:cSld>
+  <p:clrMapOvr>
+    <a:masterClrMapping/>
+  </p:clrMapOvr>
+</p:notes>
+</file>
+
+<file path=ppt/notesSlides/notesSlide4.xml><?xml version="1.0" encoding="utf-8"?>
+<p:notes xmlns:a="http://schemas.openxmlformats.org/drawingml/2006/main" xmlns:r="http://schemas.openxmlformats.org/officeDocument/2006/relationships" xmlns:p="http://schemas.openxmlformats.org/presentationml/2006/main">
+  <p:cSld>
+    <p:spTree>
+      <p:nvGrpSpPr>
+        <p:cNvPr id="1" name=""/>
+        <p:cNvGrpSpPr/>
+        <p:nvPr/>
+      </p:nvGrpSpPr>
+      <p:grpSpPr>
+        <a:xfrm>
+          <a:off x="0" y="0"/>
+          <a:ext cx="0" cy="0"/>
+          <a:chOff x="0" y="0"/>
+          <a:chExt cx="0" cy="0"/>
+        </a:xfrm>
+      </p:grpSpPr>
+      <p:sp>
+        <p:nvSpPr>
+          <p:cNvPr id="2" name="投影片影像版面配置區 1"/>
+          <p:cNvSpPr>
+            <a:spLocks noGrp="1" noRot="1" noChangeAspect="1"/>
+          </p:cNvSpPr>
+          <p:nvPr>
+            <p:ph type="sldImg"/>
+          </p:nvPr>
+        </p:nvSpPr>
+        <p:spPr/>
+      </p:sp>
+      <p:sp>
+        <p:nvSpPr>
+          <p:cNvPr id="3" name="備忘稿版面配置區 2"/>
+          <p:cNvSpPr>
+            <a:spLocks noGrp="1"/>
+          </p:cNvSpPr>
+          <p:nvPr>
+            <p:ph type="body" idx="1"/>
+          </p:nvPr>
+        </p:nvSpPr>
+        <p:spPr/>
+        <p:txBody>
+          <a:bodyPr/>
+          <a:lstStyle/>
+          <a:p>
+            <a:r>
+              <a:rPr lang="zh-TW" altLang="en-US" dirty="0"/>
+              <a:t>男孩在最終的決戰中，成功突破黑霧，直面赤影魔，並將其封印回了山中的禁地</a:t>
+            </a:r>
+          </a:p>
+        </p:txBody>
+      </p:sp>
+      <p:sp>
+        <p:nvSpPr>
+          <p:cNvPr id="4" name="投影片編號版面配置區 3"/>
+          <p:cNvSpPr>
+            <a:spLocks noGrp="1"/>
+          </p:cNvSpPr>
+          <p:nvPr>
+            <p:ph type="sldNum" sz="quarter" idx="5"/>
+          </p:nvPr>
+        </p:nvSpPr>
+        <p:spPr/>
+        <p:txBody>
+          <a:bodyPr/>
+          <a:lstStyle/>
+          <a:p>
+            <a:fld id="{5EE87CCD-B1EE-424F-B7F5-A33C4C704A18}" type="slidenum">
+              <a:rPr lang="zh-TW" altLang="en-US" smtClean="0"/>
+              <a:t>4</a:t>
+            </a:fld>
+            <a:endParaRPr lang="zh-TW" altLang="en-US"/>
+          </a:p>
+        </p:txBody>
+      </p:sp>
+    </p:spTree>
+    <p:extLst>
+      <p:ext uri="{BB962C8B-B14F-4D97-AF65-F5344CB8AC3E}">
+        <p14:creationId xmlns:p14="http://schemas.microsoft.com/office/powerpoint/2010/main" val="3043558657"/>
+      </p:ext>
+    </p:extLst>
+  </p:cSld>
+  <p:clrMapOvr>
+    <a:masterClrMapping/>
+  </p:clrMapOvr>
+</p:notes>
+</file>
+
+<file path=ppt/notesSlides/notesSlide5.xml><?xml version="1.0" encoding="utf-8"?>
+<p:notes xmlns:a="http://schemas.openxmlformats.org/drawingml/2006/main" xmlns:r="http://schemas.openxmlformats.org/officeDocument/2006/relationships" xmlns:p="http://schemas.openxmlformats.org/presentationml/2006/main">
+  <p:cSld>
+    <p:spTree>
+      <p:nvGrpSpPr>
+        <p:cNvPr id="1" name=""/>
+        <p:cNvGrpSpPr/>
+        <p:nvPr/>
+      </p:nvGrpSpPr>
+      <p:grpSpPr>
+        <a:xfrm>
+          <a:off x="0" y="0"/>
+          <a:ext cx="0" cy="0"/>
+          <a:chOff x="0" y="0"/>
+          <a:chExt cx="0" cy="0"/>
+        </a:xfrm>
+      </p:grpSpPr>
+      <p:sp>
+        <p:nvSpPr>
+          <p:cNvPr id="2" name="投影片影像版面配置區 1"/>
+          <p:cNvSpPr>
+            <a:spLocks noGrp="1" noRot="1" noChangeAspect="1"/>
+          </p:cNvSpPr>
+          <p:nvPr>
+            <p:ph type="sldImg"/>
+          </p:nvPr>
+        </p:nvSpPr>
+        <p:spPr/>
+      </p:sp>
+      <p:sp>
+        <p:nvSpPr>
+          <p:cNvPr id="3" name="備忘稿版面配置區 2"/>
+          <p:cNvSpPr>
+            <a:spLocks noGrp="1"/>
+          </p:cNvSpPr>
+          <p:nvPr>
+            <p:ph type="body" idx="1"/>
+          </p:nvPr>
+        </p:nvSpPr>
+        <p:spPr/>
+        <p:txBody>
+          <a:bodyPr/>
+          <a:lstStyle/>
+          <a:p>
+            <a:r>
+              <a:rPr lang="zh-TW" altLang="en-US" dirty="0"/>
+              <a:t>勝利過後，男孩必須長期守護青雲山，無法再繼續他的流浪之旅。</a:t>
+            </a:r>
+          </a:p>
+        </p:txBody>
+      </p:sp>
+      <p:sp>
+        <p:nvSpPr>
+          <p:cNvPr id="4" name="投影片編號版面配置區 3"/>
+          <p:cNvSpPr>
+            <a:spLocks noGrp="1"/>
+          </p:cNvSpPr>
+          <p:nvPr>
+            <p:ph type="sldNum" sz="quarter" idx="5"/>
+          </p:nvPr>
+        </p:nvSpPr>
+        <p:spPr/>
+        <p:txBody>
+          <a:bodyPr/>
+          <a:lstStyle/>
+          <a:p>
+            <a:fld id="{5EE87CCD-B1EE-424F-B7F5-A33C4C704A18}" type="slidenum">
+              <a:rPr lang="zh-TW" altLang="en-US" smtClean="0"/>
+              <a:t>5</a:t>
+            </a:fld>
+            <a:endParaRPr lang="zh-TW" altLang="en-US"/>
+          </a:p>
+        </p:txBody>
+      </p:sp>
+    </p:spTree>
+    <p:extLst>
+      <p:ext uri="{BB962C8B-B14F-4D97-AF65-F5344CB8AC3E}">
+        <p14:creationId xmlns:p14="http://schemas.microsoft.com/office/powerpoint/2010/main" val="3076708652"/>
+      </p:ext>
+    </p:extLst>
+  </p:cSld>
+  <p:clrMapOvr>
+    <a:masterClrMapping/>
+  </p:clrMapOvr>
+</p:notes>
+</file>
+
+<file path=ppt/notesSlides/notesSlide6.xml><?xml version="1.0" encoding="utf-8"?>
+<p:notes xmlns:a="http://schemas.openxmlformats.org/drawingml/2006/main" xmlns:r="http://schemas.openxmlformats.org/officeDocument/2006/relationships" xmlns:p="http://schemas.openxmlformats.org/presentationml/2006/main">
+  <p:cSld>
+    <p:spTree>
+      <p:nvGrpSpPr>
+        <p:cNvPr id="1" name=""/>
+        <p:cNvGrpSpPr/>
+        <p:nvPr/>
+      </p:nvGrpSpPr>
+      <p:grpSpPr>
+        <a:xfrm>
+          <a:off x="0" y="0"/>
+          <a:ext cx="0" cy="0"/>
+          <a:chOff x="0" y="0"/>
+          <a:chExt cx="0" cy="0"/>
+        </a:xfrm>
+      </p:grpSpPr>
+      <p:sp>
+        <p:nvSpPr>
+          <p:cNvPr id="2" name="投影片影像版面配置區 1"/>
+          <p:cNvSpPr>
+            <a:spLocks noGrp="1" noRot="1" noChangeAspect="1"/>
+          </p:cNvSpPr>
+          <p:nvPr>
+            <p:ph type="sldImg"/>
+          </p:nvPr>
+        </p:nvSpPr>
+        <p:spPr/>
+      </p:sp>
+      <p:sp>
+        <p:nvSpPr>
+          <p:cNvPr id="3" name="備忘稿版面配置區 2"/>
+          <p:cNvSpPr>
+            <a:spLocks noGrp="1"/>
+          </p:cNvSpPr>
+          <p:nvPr>
+            <p:ph type="body" idx="1"/>
+          </p:nvPr>
+        </p:nvSpPr>
+        <p:spPr/>
+        <p:txBody>
+          <a:bodyPr/>
+          <a:lstStyle/>
+          <a:p>
+            <a:r>
+              <a:rPr lang="zh-TW" altLang="en-US" dirty="0"/>
+              <a:t>男孩找來當地的村民和曾經的對手，與他一同守護這片土地，並教授他們對抗邪惡的武學心法。</a:t>
+            </a:r>
+          </a:p>
+        </p:txBody>
+      </p:sp>
+      <p:sp>
+        <p:nvSpPr>
+          <p:cNvPr id="4" name="投影片編號版面配置區 3"/>
+          <p:cNvSpPr>
+            <a:spLocks noGrp="1"/>
+          </p:cNvSpPr>
+          <p:nvPr>
+            <p:ph type="sldNum" sz="quarter" idx="5"/>
+          </p:nvPr>
+        </p:nvSpPr>
+        <p:spPr/>
+        <p:txBody>
+          <a:bodyPr/>
+          <a:lstStyle/>
+          <a:p>
+            <a:fld id="{5EE87CCD-B1EE-424F-B7F5-A33C4C704A18}" type="slidenum">
+              <a:rPr lang="zh-TW" altLang="en-US" smtClean="0"/>
+              <a:t>6</a:t>
+            </a:fld>
+            <a:endParaRPr lang="zh-TW" altLang="en-US"/>
+          </a:p>
+        </p:txBody>
+      </p:sp>
+    </p:spTree>
+    <p:extLst>
+      <p:ext uri="{BB962C8B-B14F-4D97-AF65-F5344CB8AC3E}">
+        <p14:creationId xmlns:p14="http://schemas.microsoft.com/office/powerpoint/2010/main" val="1861606173"/>
+      </p:ext>
+    </p:extLst>
+  </p:cSld>
+  <p:clrMapOvr>
+    <a:masterClrMapping/>
+  </p:clrMapOvr>
+</p:notes>
+</file>
+
+<file path=ppt/notesSlides/notesSlide7.xml><?xml version="1.0" encoding="utf-8"?>
+<p:notes xmlns:a="http://schemas.openxmlformats.org/drawingml/2006/main" xmlns:r="http://schemas.openxmlformats.org/officeDocument/2006/relationships" xmlns:p="http://schemas.openxmlformats.org/presentationml/2006/main">
+  <p:cSld>
+    <p:spTree>
+      <p:nvGrpSpPr>
+        <p:cNvPr id="1" name=""/>
+        <p:cNvGrpSpPr/>
+        <p:nvPr/>
+      </p:nvGrpSpPr>
+      <p:grpSpPr>
+        <a:xfrm>
+          <a:off x="0" y="0"/>
+          <a:ext cx="0" cy="0"/>
+          <a:chOff x="0" y="0"/>
+          <a:chExt cx="0" cy="0"/>
+        </a:xfrm>
+      </p:grpSpPr>
+      <p:sp>
+        <p:nvSpPr>
+          <p:cNvPr id="2" name="投影片影像版面配置區 1"/>
+          <p:cNvSpPr>
+            <a:spLocks noGrp="1" noRot="1" noChangeAspect="1"/>
+          </p:cNvSpPr>
+          <p:nvPr>
+            <p:ph type="sldImg"/>
+          </p:nvPr>
+        </p:nvSpPr>
+        <p:spPr/>
+      </p:sp>
+      <p:sp>
+        <p:nvSpPr>
+          <p:cNvPr id="3" name="備忘稿版面配置區 2"/>
+          <p:cNvSpPr>
+            <a:spLocks noGrp="1"/>
+          </p:cNvSpPr>
+          <p:nvPr>
+            <p:ph type="body" idx="1"/>
+          </p:nvPr>
+        </p:nvSpPr>
+        <p:spPr/>
+        <p:txBody>
+          <a:bodyPr/>
+          <a:lstStyle/>
+          <a:p>
+            <a:r>
+              <a:rPr lang="zh-TW" altLang="en-US" dirty="0"/>
+              <a:t>男孩在青雲山上建立了一個守護者的武館，將自己的武學與正義之光傳承給下一代，並成為青雲山上的一道不滅之光。</a:t>
+            </a:r>
+          </a:p>
+        </p:txBody>
+      </p:sp>
+      <p:sp>
+        <p:nvSpPr>
+          <p:cNvPr id="4" name="投影片編號版面配置區 3"/>
+          <p:cNvSpPr>
+            <a:spLocks noGrp="1"/>
+          </p:cNvSpPr>
+          <p:nvPr>
+            <p:ph type="sldNum" sz="quarter" idx="5"/>
+          </p:nvPr>
+        </p:nvSpPr>
+        <p:spPr/>
+        <p:txBody>
+          <a:bodyPr/>
+          <a:lstStyle/>
+          <a:p>
+            <a:fld id="{5EE87CCD-B1EE-424F-B7F5-A33C4C704A18}" type="slidenum">
+              <a:rPr lang="zh-TW" altLang="en-US" smtClean="0"/>
+              <a:t>7</a:t>
+            </a:fld>
+            <a:endParaRPr lang="zh-TW" altLang="en-US"/>
+          </a:p>
+        </p:txBody>
+      </p:sp>
+    </p:spTree>
+    <p:extLst>
+      <p:ext uri="{BB962C8B-B14F-4D97-AF65-F5344CB8AC3E}">
+        <p14:creationId xmlns:p14="http://schemas.microsoft.com/office/powerpoint/2010/main" val="2803883586"/>
+      </p:ext>
+    </p:extLst>
+  </p:cSld>
+  <p:clrMapOvr>
+    <a:masterClrMapping/>
+  </p:clrMapOvr>
+</p:notes>
 </file>
 
 <file path=ppt/slideLayouts/slideLayout1.xml><?xml version="1.0" encoding="utf-8"?>
@@ -254,7 +1238,7 @@
           <a:p>
             <a:fld id="{C3C90D7E-32D6-4894-AE08-7BBB3E610FC9}" type="datetimeFigureOut">
               <a:rPr lang="zh-TW" altLang="en-US" smtClean="0"/>
-              <a:t>2024/9/16</a:t>
+              <a:t>2024/10/29</a:t>
             </a:fld>
             <a:endParaRPr lang="zh-TW" altLang="en-US"/>
           </a:p>
@@ -452,7 +1436,7 @@
           <a:p>
             <a:fld id="{C3C90D7E-32D6-4894-AE08-7BBB3E610FC9}" type="datetimeFigureOut">
               <a:rPr lang="zh-TW" altLang="en-US" smtClean="0"/>
-              <a:t>2024/9/16</a:t>
+              <a:t>2024/10/29</a:t>
             </a:fld>
             <a:endParaRPr lang="zh-TW" altLang="en-US"/>
           </a:p>
@@ -660,7 +1644,7 @@
           <a:p>
             <a:fld id="{C3C90D7E-32D6-4894-AE08-7BBB3E610FC9}" type="datetimeFigureOut">
               <a:rPr lang="zh-TW" altLang="en-US" smtClean="0"/>
-              <a:t>2024/9/16</a:t>
+              <a:t>2024/10/29</a:t>
             </a:fld>
             <a:endParaRPr lang="zh-TW" altLang="en-US"/>
           </a:p>
@@ -858,7 +1842,7 @@
           <a:p>
             <a:fld id="{C3C90D7E-32D6-4894-AE08-7BBB3E610FC9}" type="datetimeFigureOut">
               <a:rPr lang="zh-TW" altLang="en-US" smtClean="0"/>
-              <a:t>2024/9/16</a:t>
+              <a:t>2024/10/29</a:t>
             </a:fld>
             <a:endParaRPr lang="zh-TW" altLang="en-US"/>
           </a:p>
@@ -1133,7 +2117,7 @@
           <a:p>
             <a:fld id="{C3C90D7E-32D6-4894-AE08-7BBB3E610FC9}" type="datetimeFigureOut">
               <a:rPr lang="zh-TW" altLang="en-US" smtClean="0"/>
-              <a:t>2024/9/16</a:t>
+              <a:t>2024/10/29</a:t>
             </a:fld>
             <a:endParaRPr lang="zh-TW" altLang="en-US"/>
           </a:p>
@@ -1398,7 +2382,7 @@
           <a:p>
             <a:fld id="{C3C90D7E-32D6-4894-AE08-7BBB3E610FC9}" type="datetimeFigureOut">
               <a:rPr lang="zh-TW" altLang="en-US" smtClean="0"/>
-              <a:t>2024/9/16</a:t>
+              <a:t>2024/10/29</a:t>
             </a:fld>
             <a:endParaRPr lang="zh-TW" altLang="en-US"/>
           </a:p>
@@ -1810,7 +2794,7 @@
           <a:p>
             <a:fld id="{C3C90D7E-32D6-4894-AE08-7BBB3E610FC9}" type="datetimeFigureOut">
               <a:rPr lang="zh-TW" altLang="en-US" smtClean="0"/>
-              <a:t>2024/9/16</a:t>
+              <a:t>2024/10/29</a:t>
             </a:fld>
             <a:endParaRPr lang="zh-TW" altLang="en-US"/>
           </a:p>
@@ -1951,7 +2935,7 @@
           <a:p>
             <a:fld id="{C3C90D7E-32D6-4894-AE08-7BBB3E610FC9}" type="datetimeFigureOut">
               <a:rPr lang="zh-TW" altLang="en-US" smtClean="0"/>
-              <a:t>2024/9/16</a:t>
+              <a:t>2024/10/29</a:t>
             </a:fld>
             <a:endParaRPr lang="zh-TW" altLang="en-US"/>
           </a:p>
@@ -2064,7 +3048,7 @@
           <a:p>
             <a:fld id="{C3C90D7E-32D6-4894-AE08-7BBB3E610FC9}" type="datetimeFigureOut">
               <a:rPr lang="zh-TW" altLang="en-US" smtClean="0"/>
-              <a:t>2024/9/16</a:t>
+              <a:t>2024/10/29</a:t>
             </a:fld>
             <a:endParaRPr lang="zh-TW" altLang="en-US"/>
           </a:p>
@@ -2375,7 +3359,7 @@
           <a:p>
             <a:fld id="{C3C90D7E-32D6-4894-AE08-7BBB3E610FC9}" type="datetimeFigureOut">
               <a:rPr lang="zh-TW" altLang="en-US" smtClean="0"/>
-              <a:t>2024/9/16</a:t>
+              <a:t>2024/10/29</a:t>
             </a:fld>
             <a:endParaRPr lang="zh-TW" altLang="en-US"/>
           </a:p>
@@ -2663,7 +3647,7 @@
           <a:p>
             <a:fld id="{C3C90D7E-32D6-4894-AE08-7BBB3E610FC9}" type="datetimeFigureOut">
               <a:rPr lang="zh-TW" altLang="en-US" smtClean="0"/>
-              <a:t>2024/9/16</a:t>
+              <a:t>2024/10/29</a:t>
             </a:fld>
             <a:endParaRPr lang="zh-TW" altLang="en-US"/>
           </a:p>
@@ -2904,7 +3888,7 @@
           <a:p>
             <a:fld id="{C3C90D7E-32D6-4894-AE08-7BBB3E610FC9}" type="datetimeFigureOut">
               <a:rPr lang="zh-TW" altLang="en-US" smtClean="0"/>
-              <a:t>2024/9/16</a:t>
+              <a:t>2024/10/29</a:t>
             </a:fld>
             <a:endParaRPr lang="zh-TW" altLang="en-US"/>
           </a:p>
@@ -3307,6 +4291,17 @@
 <file path=ppt/slides/slide1.xml><?xml version="1.0" encoding="utf-8"?>
 <p:sld xmlns:a="http://schemas.openxmlformats.org/drawingml/2006/main" xmlns:r="http://schemas.openxmlformats.org/officeDocument/2006/relationships" xmlns:p="http://schemas.openxmlformats.org/presentationml/2006/main">
   <p:cSld>
+    <p:bg>
+      <p:bgPr>
+        <a:solidFill>
+          <a:schemeClr val="tx1">
+            <a:lumMod val="75000"/>
+            <a:lumOff val="25000"/>
+          </a:schemeClr>
+        </a:solidFill>
+        <a:effectLst/>
+      </p:bgPr>
+    </p:bg>
     <p:spTree>
       <p:nvGrpSpPr>
         <p:cNvPr id="1" name=""/>
@@ -3323,64 +4318,2206 @@
       </p:grpSpPr>
       <p:sp>
         <p:nvSpPr>
-          <p:cNvPr id="2" name="標題 1">
-            <a:extLst>
-              <a:ext uri="{FF2B5EF4-FFF2-40B4-BE49-F238E27FC236}">
-                <a16:creationId xmlns:a16="http://schemas.microsoft.com/office/drawing/2014/main" id="{32532283-9F93-4E44-8138-32796965361F}"/>
-              </a:ext>
-            </a:extLst>
-          </p:cNvPr>
-          <p:cNvSpPr>
-            <a:spLocks noGrp="1"/>
-          </p:cNvSpPr>
-          <p:nvPr>
-            <p:ph type="ctrTitle"/>
-          </p:nvPr>
-        </p:nvSpPr>
-        <p:spPr/>
-        <p:txBody>
-          <a:bodyPr/>
+          <p:cNvPr id="4" name="文字方塊 3">
+            <a:extLst>
+              <a:ext uri="{FF2B5EF4-FFF2-40B4-BE49-F238E27FC236}">
+                <a16:creationId xmlns:a16="http://schemas.microsoft.com/office/drawing/2014/main" id="{7D7E7D17-7123-442B-9BAA-2E4FD58C1EE4}"/>
+              </a:ext>
+            </a:extLst>
+          </p:cNvPr>
+          <p:cNvSpPr txBox="1"/>
+          <p:nvPr/>
+        </p:nvSpPr>
+        <p:spPr>
+          <a:xfrm>
+            <a:off x="337226" y="321013"/>
+            <a:ext cx="2198452" cy="584775"/>
+          </a:xfrm>
+          <a:prstGeom prst="rect">
+            <a:avLst/>
+          </a:prstGeom>
+          <a:noFill/>
+        </p:spPr>
+        <p:txBody>
+          <a:bodyPr wrap="square" rtlCol="0">
+            <a:spAutoFit/>
+          </a:bodyPr>
           <a:lstStyle/>
           <a:p>
-            <a:endParaRPr lang="zh-TW" altLang="en-US"/>
-          </a:p>
-        </p:txBody>
-      </p:sp>
-      <p:sp>
-        <p:nvSpPr>
-          <p:cNvPr id="3" name="副標題 2">
-            <a:extLst>
-              <a:ext uri="{FF2B5EF4-FFF2-40B4-BE49-F238E27FC236}">
-                <a16:creationId xmlns:a16="http://schemas.microsoft.com/office/drawing/2014/main" id="{8C946F38-524D-4B98-B9CB-80AEE57E455A}"/>
-              </a:ext>
-            </a:extLst>
-          </p:cNvPr>
-          <p:cNvSpPr>
-            <a:spLocks noGrp="1"/>
-          </p:cNvSpPr>
-          <p:nvPr>
-            <p:ph type="subTitle" idx="1"/>
-          </p:nvPr>
-        </p:nvSpPr>
-        <p:spPr/>
-        <p:txBody>
-          <a:bodyPr/>
-          <a:lstStyle/>
-          <a:p>
-            <a:endParaRPr lang="zh-TW" altLang="en-US"/>
-          </a:p>
-        </p:txBody>
-      </p:sp>
+            <a:r>
+              <a:rPr lang="en-US" altLang="zh-TW" sz="3200" dirty="0">
+                <a:solidFill>
+                  <a:schemeClr val="tx2">
+                    <a:lumMod val="60000"/>
+                    <a:lumOff val="40000"/>
+                  </a:schemeClr>
+                </a:solidFill>
+                <a:latin typeface="Yu Gothic UI Semibold" panose="020B0700000000000000" pitchFamily="34" charset="-128"/>
+                <a:ea typeface="Yu Gothic UI Semibold" panose="020B0700000000000000" pitchFamily="34" charset="-128"/>
+              </a:rPr>
+              <a:t>1.</a:t>
+            </a:r>
+            <a:r>
+              <a:rPr lang="zh-TW" altLang="en-US" sz="3200" dirty="0">
+                <a:solidFill>
+                  <a:schemeClr val="tx2">
+                    <a:lumMod val="60000"/>
+                    <a:lumOff val="40000"/>
+                  </a:schemeClr>
+                </a:solidFill>
+                <a:latin typeface="Yu Gothic UI Semibold" panose="020B0700000000000000" pitchFamily="34" charset="-128"/>
+                <a:ea typeface="Yu Gothic UI Semibold" panose="020B0700000000000000" pitchFamily="34" charset="-128"/>
+              </a:rPr>
+              <a:t>目標</a:t>
+            </a:r>
+          </a:p>
+        </p:txBody>
+      </p:sp>
+      <p:pic>
+        <p:nvPicPr>
+          <p:cNvPr id="6" name="圖片 5">
+            <a:extLst>
+              <a:ext uri="{FF2B5EF4-FFF2-40B4-BE49-F238E27FC236}">
+                <a16:creationId xmlns:a16="http://schemas.microsoft.com/office/drawing/2014/main" id="{44EE394E-4A09-4AA9-B827-88C0C0D9577D}"/>
+              </a:ext>
+            </a:extLst>
+          </p:cNvPr>
+          <p:cNvPicPr>
+            <a:picLocks noChangeAspect="1"/>
+          </p:cNvPicPr>
+          <p:nvPr/>
+        </p:nvPicPr>
+        <p:blipFill>
+          <a:blip r:embed="rId3">
+            <a:extLst>
+              <a:ext uri="{28A0092B-C50C-407E-A947-70E740481C1C}">
+                <a14:useLocalDpi xmlns:a14="http://schemas.microsoft.com/office/drawing/2010/main" val="0"/>
+              </a:ext>
+            </a:extLst>
+          </a:blip>
+          <a:stretch>
+            <a:fillRect/>
+          </a:stretch>
+        </p:blipFill>
+        <p:spPr>
+          <a:xfrm>
+            <a:off x="1800000" y="180000"/>
+            <a:ext cx="3702857" cy="6480000"/>
+          </a:xfrm>
+          <a:prstGeom prst="rect">
+            <a:avLst/>
+          </a:prstGeom>
+        </p:spPr>
+      </p:pic>
     </p:spTree>
     <p:extLst>
       <p:ext uri="{BB962C8B-B14F-4D97-AF65-F5344CB8AC3E}">
-        <p14:creationId xmlns:p14="http://schemas.microsoft.com/office/powerpoint/2010/main" val="1328321055"/>
+        <p14:creationId xmlns:p14="http://schemas.microsoft.com/office/powerpoint/2010/main" val="3302188433"/>
       </p:ext>
     </p:extLst>
   </p:cSld>
   <p:clrMapOvr>
     <a:masterClrMapping/>
   </p:clrMapOvr>
+  <p:timing>
+    <p:tnLst>
+      <p:par>
+        <p:cTn id="1" dur="indefinite" restart="never" nodeType="tmRoot">
+          <p:childTnLst>
+            <p:seq concurrent="1" nextAc="seek">
+              <p:cTn id="2" dur="indefinite" nodeType="mainSeq">
+                <p:childTnLst>
+                  <p:par>
+                    <p:cTn id="3" fill="hold">
+                      <p:stCondLst>
+                        <p:cond delay="indefinite"/>
+                        <p:cond evt="onBegin" delay="0">
+                          <p:tn val="2"/>
+                        </p:cond>
+                      </p:stCondLst>
+                      <p:childTnLst>
+                        <p:par>
+                          <p:cTn id="4" fill="hold">
+                            <p:stCondLst>
+                              <p:cond delay="0"/>
+                            </p:stCondLst>
+                            <p:childTnLst>
+                              <p:par>
+                                <p:cTn id="5" presetID="42" presetClass="entr" presetSubtype="0" fill="hold" nodeType="withEffect">
+                                  <p:stCondLst>
+                                    <p:cond delay="0"/>
+                                  </p:stCondLst>
+                                  <p:childTnLst>
+                                    <p:set>
+                                      <p:cBhvr>
+                                        <p:cTn id="6" dur="1" fill="hold">
+                                          <p:stCondLst>
+                                            <p:cond delay="0"/>
+                                          </p:stCondLst>
+                                        </p:cTn>
+                                        <p:tgtEl>
+                                          <p:spTgt spid="6"/>
+                                        </p:tgtEl>
+                                        <p:attrNameLst>
+                                          <p:attrName>style.visibility</p:attrName>
+                                        </p:attrNameLst>
+                                      </p:cBhvr>
+                                      <p:to>
+                                        <p:strVal val="visible"/>
+                                      </p:to>
+                                    </p:set>
+                                    <p:animEffect transition="in" filter="fade">
+                                      <p:cBhvr>
+                                        <p:cTn id="7" dur="1000"/>
+                                        <p:tgtEl>
+                                          <p:spTgt spid="6"/>
+                                        </p:tgtEl>
+                                      </p:cBhvr>
+                                    </p:animEffect>
+                                    <p:anim calcmode="lin" valueType="num">
+                                      <p:cBhvr>
+                                        <p:cTn id="8" dur="1000" fill="hold"/>
+                                        <p:tgtEl>
+                                          <p:spTgt spid="6"/>
+                                        </p:tgtEl>
+                                        <p:attrNameLst>
+                                          <p:attrName>ppt_x</p:attrName>
+                                        </p:attrNameLst>
+                                      </p:cBhvr>
+                                      <p:tavLst>
+                                        <p:tav tm="0">
+                                          <p:val>
+                                            <p:strVal val="#ppt_x"/>
+                                          </p:val>
+                                        </p:tav>
+                                        <p:tav tm="100000">
+                                          <p:val>
+                                            <p:strVal val="#ppt_x"/>
+                                          </p:val>
+                                        </p:tav>
+                                      </p:tavLst>
+                                    </p:anim>
+                                    <p:anim calcmode="lin" valueType="num">
+                                      <p:cBhvr>
+                                        <p:cTn id="9" dur="1000" fill="hold"/>
+                                        <p:tgtEl>
+                                          <p:spTgt spid="6"/>
+                                        </p:tgtEl>
+                                        <p:attrNameLst>
+                                          <p:attrName>ppt_y</p:attrName>
+                                        </p:attrNameLst>
+                                      </p:cBhvr>
+                                      <p:tavLst>
+                                        <p:tav tm="0">
+                                          <p:val>
+                                            <p:strVal val="#ppt_y+.1"/>
+                                          </p:val>
+                                        </p:tav>
+                                        <p:tav tm="100000">
+                                          <p:val>
+                                            <p:strVal val="#ppt_y"/>
+                                          </p:val>
+                                        </p:tav>
+                                      </p:tavLst>
+                                    </p:anim>
+                                  </p:childTnLst>
+                                </p:cTn>
+                              </p:par>
+                            </p:childTnLst>
+                          </p:cTn>
+                        </p:par>
+                      </p:childTnLst>
+                    </p:cTn>
+                  </p:par>
+                  <p:par>
+                    <p:cTn id="10" fill="hold">
+                      <p:stCondLst>
+                        <p:cond delay="indefinite"/>
+                      </p:stCondLst>
+                      <p:childTnLst>
+                        <p:par>
+                          <p:cTn id="11" fill="hold">
+                            <p:stCondLst>
+                              <p:cond delay="0"/>
+                            </p:stCondLst>
+                            <p:childTnLst>
+                              <p:par>
+                                <p:cTn id="12" presetID="10" presetClass="exit" presetSubtype="0" fill="hold" nodeType="clickEffect">
+                                  <p:stCondLst>
+                                    <p:cond delay="0"/>
+                                  </p:stCondLst>
+                                  <p:childTnLst>
+                                    <p:animEffect transition="out" filter="fade">
+                                      <p:cBhvr>
+                                        <p:cTn id="13" dur="500"/>
+                                        <p:tgtEl>
+                                          <p:spTgt spid="6"/>
+                                        </p:tgtEl>
+                                      </p:cBhvr>
+                                    </p:animEffect>
+                                    <p:set>
+                                      <p:cBhvr>
+                                        <p:cTn id="14" dur="1" fill="hold">
+                                          <p:stCondLst>
+                                            <p:cond delay="499"/>
+                                          </p:stCondLst>
+                                        </p:cTn>
+                                        <p:tgtEl>
+                                          <p:spTgt spid="6"/>
+                                        </p:tgtEl>
+                                        <p:attrNameLst>
+                                          <p:attrName>style.visibility</p:attrName>
+                                        </p:attrNameLst>
+                                      </p:cBhvr>
+                                      <p:to>
+                                        <p:strVal val="hidden"/>
+                                      </p:to>
+                                    </p:set>
+                                  </p:childTnLst>
+                                </p:cTn>
+                              </p:par>
+                            </p:childTnLst>
+                          </p:cTn>
+                        </p:par>
+                      </p:childTnLst>
+                    </p:cTn>
+                  </p:par>
+                </p:childTnLst>
+              </p:cTn>
+              <p:prevCondLst>
+                <p:cond evt="onPrev" delay="0">
+                  <p:tgtEl>
+                    <p:sldTgt/>
+                  </p:tgtEl>
+                </p:cond>
+              </p:prevCondLst>
+              <p:nextCondLst>
+                <p:cond evt="onNext" delay="0">
+                  <p:tgtEl>
+                    <p:sldTgt/>
+                  </p:tgtEl>
+                </p:cond>
+              </p:nextCondLst>
+            </p:seq>
+          </p:childTnLst>
+        </p:cTn>
+      </p:par>
+    </p:tnLst>
+  </p:timing>
+</p:sld>
+</file>
+
+<file path=ppt/slides/slide2.xml><?xml version="1.0" encoding="utf-8"?>
+<p:sld xmlns:a="http://schemas.openxmlformats.org/drawingml/2006/main" xmlns:r="http://schemas.openxmlformats.org/officeDocument/2006/relationships" xmlns:p="http://schemas.openxmlformats.org/presentationml/2006/main">
+  <p:cSld>
+    <p:bg>
+      <p:bgPr>
+        <a:solidFill>
+          <a:schemeClr val="tx1">
+            <a:lumMod val="75000"/>
+            <a:lumOff val="25000"/>
+          </a:schemeClr>
+        </a:solidFill>
+        <a:effectLst/>
+      </p:bgPr>
+    </p:bg>
+    <p:spTree>
+      <p:nvGrpSpPr>
+        <p:cNvPr id="1" name=""/>
+        <p:cNvGrpSpPr/>
+        <p:nvPr/>
+      </p:nvGrpSpPr>
+      <p:grpSpPr>
+        <a:xfrm>
+          <a:off x="0" y="0"/>
+          <a:ext cx="0" cy="0"/>
+          <a:chOff x="0" y="0"/>
+          <a:chExt cx="0" cy="0"/>
+        </a:xfrm>
+      </p:grpSpPr>
+      <p:sp>
+        <p:nvSpPr>
+          <p:cNvPr id="4" name="文字方塊 3">
+            <a:extLst>
+              <a:ext uri="{FF2B5EF4-FFF2-40B4-BE49-F238E27FC236}">
+                <a16:creationId xmlns:a16="http://schemas.microsoft.com/office/drawing/2014/main" id="{0DBD6B44-5775-4C20-9AE3-F5FFCC3C86DD}"/>
+              </a:ext>
+            </a:extLst>
+          </p:cNvPr>
+          <p:cNvSpPr txBox="1"/>
+          <p:nvPr/>
+        </p:nvSpPr>
+        <p:spPr>
+          <a:xfrm>
+            <a:off x="337226" y="321013"/>
+            <a:ext cx="2198452" cy="584775"/>
+          </a:xfrm>
+          <a:prstGeom prst="rect">
+            <a:avLst/>
+          </a:prstGeom>
+          <a:noFill/>
+        </p:spPr>
+        <p:txBody>
+          <a:bodyPr wrap="square" rtlCol="0">
+            <a:spAutoFit/>
+          </a:bodyPr>
+          <a:lstStyle/>
+          <a:p>
+            <a:r>
+              <a:rPr lang="en-US" altLang="zh-TW" sz="3200" dirty="0">
+                <a:solidFill>
+                  <a:schemeClr val="tx2">
+                    <a:lumMod val="60000"/>
+                    <a:lumOff val="40000"/>
+                  </a:schemeClr>
+                </a:solidFill>
+                <a:latin typeface="Yu Gothic UI Semibold" panose="020B0700000000000000" pitchFamily="34" charset="-128"/>
+                <a:ea typeface="Yu Gothic UI Semibold" panose="020B0700000000000000" pitchFamily="34" charset="-128"/>
+              </a:rPr>
+              <a:t>2.</a:t>
+            </a:r>
+            <a:r>
+              <a:rPr lang="zh-TW" altLang="en-US" sz="3200" dirty="0">
+                <a:solidFill>
+                  <a:schemeClr val="tx2">
+                    <a:lumMod val="60000"/>
+                    <a:lumOff val="40000"/>
+                  </a:schemeClr>
+                </a:solidFill>
+                <a:latin typeface="Yu Gothic UI Semibold" panose="020B0700000000000000" pitchFamily="34" charset="-128"/>
+                <a:ea typeface="Yu Gothic UI Semibold" panose="020B0700000000000000" pitchFamily="34" charset="-128"/>
+              </a:rPr>
+              <a:t>阻礙</a:t>
+            </a:r>
+          </a:p>
+        </p:txBody>
+      </p:sp>
+      <p:pic>
+        <p:nvPicPr>
+          <p:cNvPr id="3" name="圖片 2">
+            <a:extLst>
+              <a:ext uri="{FF2B5EF4-FFF2-40B4-BE49-F238E27FC236}">
+                <a16:creationId xmlns:a16="http://schemas.microsoft.com/office/drawing/2014/main" id="{94461424-AE43-4D81-983D-FFCD5E61FF34}"/>
+              </a:ext>
+            </a:extLst>
+          </p:cNvPr>
+          <p:cNvPicPr>
+            <a:picLocks noChangeAspect="1"/>
+          </p:cNvPicPr>
+          <p:nvPr/>
+        </p:nvPicPr>
+        <p:blipFill>
+          <a:blip r:embed="rId3">
+            <a:extLst>
+              <a:ext uri="{28A0092B-C50C-407E-A947-70E740481C1C}">
+                <a14:useLocalDpi xmlns:a14="http://schemas.microsoft.com/office/drawing/2010/main" val="0"/>
+              </a:ext>
+            </a:extLst>
+          </a:blip>
+          <a:stretch>
+            <a:fillRect/>
+          </a:stretch>
+        </p:blipFill>
+        <p:spPr>
+          <a:xfrm>
+            <a:off x="1800000" y="180000"/>
+            <a:ext cx="3702856" cy="6480000"/>
+          </a:xfrm>
+          <a:prstGeom prst="rect">
+            <a:avLst/>
+          </a:prstGeom>
+        </p:spPr>
+      </p:pic>
+    </p:spTree>
+    <p:extLst>
+      <p:ext uri="{BB962C8B-B14F-4D97-AF65-F5344CB8AC3E}">
+        <p14:creationId xmlns:p14="http://schemas.microsoft.com/office/powerpoint/2010/main" val="947391696"/>
+      </p:ext>
+    </p:extLst>
+  </p:cSld>
+  <p:clrMapOvr>
+    <a:masterClrMapping/>
+  </p:clrMapOvr>
+  <p:timing>
+    <p:tnLst>
+      <p:par>
+        <p:cTn id="1" dur="indefinite" restart="never" nodeType="tmRoot">
+          <p:childTnLst>
+            <p:seq concurrent="1" nextAc="seek">
+              <p:cTn id="2" dur="indefinite" nodeType="mainSeq">
+                <p:childTnLst>
+                  <p:par>
+                    <p:cTn id="3" fill="hold">
+                      <p:stCondLst>
+                        <p:cond delay="indefinite"/>
+                        <p:cond evt="onBegin" delay="0">
+                          <p:tn val="2"/>
+                        </p:cond>
+                      </p:stCondLst>
+                      <p:childTnLst>
+                        <p:par>
+                          <p:cTn id="4" fill="hold">
+                            <p:stCondLst>
+                              <p:cond delay="0"/>
+                            </p:stCondLst>
+                            <p:childTnLst>
+                              <p:par>
+                                <p:cTn id="5" presetID="42" presetClass="entr" presetSubtype="0" fill="hold" nodeType="withEffect">
+                                  <p:stCondLst>
+                                    <p:cond delay="0"/>
+                                  </p:stCondLst>
+                                  <p:childTnLst>
+                                    <p:set>
+                                      <p:cBhvr>
+                                        <p:cTn id="6" dur="1" fill="hold">
+                                          <p:stCondLst>
+                                            <p:cond delay="0"/>
+                                          </p:stCondLst>
+                                        </p:cTn>
+                                        <p:tgtEl>
+                                          <p:spTgt spid="3"/>
+                                        </p:tgtEl>
+                                        <p:attrNameLst>
+                                          <p:attrName>style.visibility</p:attrName>
+                                        </p:attrNameLst>
+                                      </p:cBhvr>
+                                      <p:to>
+                                        <p:strVal val="visible"/>
+                                      </p:to>
+                                    </p:set>
+                                    <p:animEffect transition="in" filter="fade">
+                                      <p:cBhvr>
+                                        <p:cTn id="7" dur="1000"/>
+                                        <p:tgtEl>
+                                          <p:spTgt spid="3"/>
+                                        </p:tgtEl>
+                                      </p:cBhvr>
+                                    </p:animEffect>
+                                    <p:anim calcmode="lin" valueType="num">
+                                      <p:cBhvr>
+                                        <p:cTn id="8" dur="1000" fill="hold"/>
+                                        <p:tgtEl>
+                                          <p:spTgt spid="3"/>
+                                        </p:tgtEl>
+                                        <p:attrNameLst>
+                                          <p:attrName>ppt_x</p:attrName>
+                                        </p:attrNameLst>
+                                      </p:cBhvr>
+                                      <p:tavLst>
+                                        <p:tav tm="0">
+                                          <p:val>
+                                            <p:strVal val="#ppt_x"/>
+                                          </p:val>
+                                        </p:tav>
+                                        <p:tav tm="100000">
+                                          <p:val>
+                                            <p:strVal val="#ppt_x"/>
+                                          </p:val>
+                                        </p:tav>
+                                      </p:tavLst>
+                                    </p:anim>
+                                    <p:anim calcmode="lin" valueType="num">
+                                      <p:cBhvr>
+                                        <p:cTn id="9" dur="1000" fill="hold"/>
+                                        <p:tgtEl>
+                                          <p:spTgt spid="3"/>
+                                        </p:tgtEl>
+                                        <p:attrNameLst>
+                                          <p:attrName>ppt_y</p:attrName>
+                                        </p:attrNameLst>
+                                      </p:cBhvr>
+                                      <p:tavLst>
+                                        <p:tav tm="0">
+                                          <p:val>
+                                            <p:strVal val="#ppt_y+.1"/>
+                                          </p:val>
+                                        </p:tav>
+                                        <p:tav tm="100000">
+                                          <p:val>
+                                            <p:strVal val="#ppt_y"/>
+                                          </p:val>
+                                        </p:tav>
+                                      </p:tavLst>
+                                    </p:anim>
+                                  </p:childTnLst>
+                                </p:cTn>
+                              </p:par>
+                            </p:childTnLst>
+                          </p:cTn>
+                        </p:par>
+                      </p:childTnLst>
+                    </p:cTn>
+                  </p:par>
+                  <p:par>
+                    <p:cTn id="10" fill="hold">
+                      <p:stCondLst>
+                        <p:cond delay="indefinite"/>
+                      </p:stCondLst>
+                      <p:childTnLst>
+                        <p:par>
+                          <p:cTn id="11" fill="hold">
+                            <p:stCondLst>
+                              <p:cond delay="0"/>
+                            </p:stCondLst>
+                            <p:childTnLst>
+                              <p:par>
+                                <p:cTn id="12" presetID="10" presetClass="exit" presetSubtype="0" fill="hold" nodeType="clickEffect">
+                                  <p:stCondLst>
+                                    <p:cond delay="0"/>
+                                  </p:stCondLst>
+                                  <p:childTnLst>
+                                    <p:animEffect transition="out" filter="fade">
+                                      <p:cBhvr>
+                                        <p:cTn id="13" dur="500"/>
+                                        <p:tgtEl>
+                                          <p:spTgt spid="3"/>
+                                        </p:tgtEl>
+                                      </p:cBhvr>
+                                    </p:animEffect>
+                                    <p:set>
+                                      <p:cBhvr>
+                                        <p:cTn id="14" dur="1" fill="hold">
+                                          <p:stCondLst>
+                                            <p:cond delay="499"/>
+                                          </p:stCondLst>
+                                        </p:cTn>
+                                        <p:tgtEl>
+                                          <p:spTgt spid="3"/>
+                                        </p:tgtEl>
+                                        <p:attrNameLst>
+                                          <p:attrName>style.visibility</p:attrName>
+                                        </p:attrNameLst>
+                                      </p:cBhvr>
+                                      <p:to>
+                                        <p:strVal val="hidden"/>
+                                      </p:to>
+                                    </p:set>
+                                  </p:childTnLst>
+                                </p:cTn>
+                              </p:par>
+                            </p:childTnLst>
+                          </p:cTn>
+                        </p:par>
+                      </p:childTnLst>
+                    </p:cTn>
+                  </p:par>
+                </p:childTnLst>
+              </p:cTn>
+              <p:prevCondLst>
+                <p:cond evt="onPrev" delay="0">
+                  <p:tgtEl>
+                    <p:sldTgt/>
+                  </p:tgtEl>
+                </p:cond>
+              </p:prevCondLst>
+              <p:nextCondLst>
+                <p:cond evt="onNext" delay="0">
+                  <p:tgtEl>
+                    <p:sldTgt/>
+                  </p:tgtEl>
+                </p:cond>
+              </p:nextCondLst>
+            </p:seq>
+          </p:childTnLst>
+        </p:cTn>
+      </p:par>
+    </p:tnLst>
+  </p:timing>
+</p:sld>
+</file>
+
+<file path=ppt/slides/slide3.xml><?xml version="1.0" encoding="utf-8"?>
+<p:sld xmlns:a="http://schemas.openxmlformats.org/drawingml/2006/main" xmlns:r="http://schemas.openxmlformats.org/officeDocument/2006/relationships" xmlns:p="http://schemas.openxmlformats.org/presentationml/2006/main">
+  <p:cSld>
+    <p:bg>
+      <p:bgPr>
+        <a:solidFill>
+          <a:schemeClr val="tx1">
+            <a:lumMod val="75000"/>
+            <a:lumOff val="25000"/>
+          </a:schemeClr>
+        </a:solidFill>
+        <a:effectLst/>
+      </p:bgPr>
+    </p:bg>
+    <p:spTree>
+      <p:nvGrpSpPr>
+        <p:cNvPr id="1" name=""/>
+        <p:cNvGrpSpPr/>
+        <p:nvPr/>
+      </p:nvGrpSpPr>
+      <p:grpSpPr>
+        <a:xfrm>
+          <a:off x="0" y="0"/>
+          <a:ext cx="0" cy="0"/>
+          <a:chOff x="0" y="0"/>
+          <a:chExt cx="0" cy="0"/>
+        </a:xfrm>
+      </p:grpSpPr>
+      <p:sp>
+        <p:nvSpPr>
+          <p:cNvPr id="4" name="文字方塊 3">
+            <a:extLst>
+              <a:ext uri="{FF2B5EF4-FFF2-40B4-BE49-F238E27FC236}">
+                <a16:creationId xmlns:a16="http://schemas.microsoft.com/office/drawing/2014/main" id="{D0DAB011-A28E-4591-8D41-B802E767DA02}"/>
+              </a:ext>
+            </a:extLst>
+          </p:cNvPr>
+          <p:cNvSpPr txBox="1"/>
+          <p:nvPr/>
+        </p:nvSpPr>
+        <p:spPr>
+          <a:xfrm>
+            <a:off x="337226" y="321013"/>
+            <a:ext cx="2198452" cy="584775"/>
+          </a:xfrm>
+          <a:prstGeom prst="rect">
+            <a:avLst/>
+          </a:prstGeom>
+          <a:noFill/>
+        </p:spPr>
+        <p:txBody>
+          <a:bodyPr wrap="square" rtlCol="0">
+            <a:spAutoFit/>
+          </a:bodyPr>
+          <a:lstStyle/>
+          <a:p>
+            <a:r>
+              <a:rPr lang="en-US" altLang="zh-TW" sz="3200" dirty="0">
+                <a:solidFill>
+                  <a:schemeClr val="tx2">
+                    <a:lumMod val="60000"/>
+                    <a:lumOff val="40000"/>
+                  </a:schemeClr>
+                </a:solidFill>
+                <a:latin typeface="Yu Gothic UI Semibold" panose="020B0700000000000000" pitchFamily="34" charset="-128"/>
+                <a:ea typeface="Yu Gothic UI Semibold" panose="020B0700000000000000" pitchFamily="34" charset="-128"/>
+              </a:rPr>
+              <a:t>3.</a:t>
+            </a:r>
+            <a:r>
+              <a:rPr lang="zh-TW" altLang="en-US" sz="3200" dirty="0">
+                <a:solidFill>
+                  <a:schemeClr val="tx2">
+                    <a:lumMod val="60000"/>
+                    <a:lumOff val="40000"/>
+                  </a:schemeClr>
+                </a:solidFill>
+                <a:latin typeface="Yu Gothic UI Semibold" panose="020B0700000000000000" pitchFamily="34" charset="-128"/>
+                <a:ea typeface="Yu Gothic UI Semibold" panose="020B0700000000000000" pitchFamily="34" charset="-128"/>
+              </a:rPr>
+              <a:t>努力</a:t>
+            </a:r>
+          </a:p>
+        </p:txBody>
+      </p:sp>
+      <p:pic>
+        <p:nvPicPr>
+          <p:cNvPr id="6" name="圖片 5">
+            <a:extLst>
+              <a:ext uri="{FF2B5EF4-FFF2-40B4-BE49-F238E27FC236}">
+                <a16:creationId xmlns:a16="http://schemas.microsoft.com/office/drawing/2014/main" id="{3A1EB43D-F229-4EB7-AA85-1C5E01D2A3C6}"/>
+              </a:ext>
+            </a:extLst>
+          </p:cNvPr>
+          <p:cNvPicPr>
+            <a:picLocks noChangeAspect="1"/>
+          </p:cNvPicPr>
+          <p:nvPr/>
+        </p:nvPicPr>
+        <p:blipFill>
+          <a:blip r:embed="rId3">
+            <a:extLst>
+              <a:ext uri="{28A0092B-C50C-407E-A947-70E740481C1C}">
+                <a14:useLocalDpi xmlns:a14="http://schemas.microsoft.com/office/drawing/2010/main" val="0"/>
+              </a:ext>
+            </a:extLst>
+          </a:blip>
+          <a:stretch>
+            <a:fillRect/>
+          </a:stretch>
+        </p:blipFill>
+        <p:spPr>
+          <a:xfrm>
+            <a:off x="1800000" y="180000"/>
+            <a:ext cx="3702857" cy="6480000"/>
+          </a:xfrm>
+          <a:prstGeom prst="rect">
+            <a:avLst/>
+          </a:prstGeom>
+        </p:spPr>
+      </p:pic>
+    </p:spTree>
+    <p:extLst>
+      <p:ext uri="{BB962C8B-B14F-4D97-AF65-F5344CB8AC3E}">
+        <p14:creationId xmlns:p14="http://schemas.microsoft.com/office/powerpoint/2010/main" val="3381002853"/>
+      </p:ext>
+    </p:extLst>
+  </p:cSld>
+  <p:clrMapOvr>
+    <a:masterClrMapping/>
+  </p:clrMapOvr>
+  <p:timing>
+    <p:tnLst>
+      <p:par>
+        <p:cTn id="1" dur="indefinite" restart="never" nodeType="tmRoot">
+          <p:childTnLst>
+            <p:seq concurrent="1" nextAc="seek">
+              <p:cTn id="2" dur="indefinite" nodeType="mainSeq">
+                <p:childTnLst>
+                  <p:par>
+                    <p:cTn id="3" fill="hold">
+                      <p:stCondLst>
+                        <p:cond delay="indefinite"/>
+                        <p:cond evt="onBegin" delay="0">
+                          <p:tn val="2"/>
+                        </p:cond>
+                      </p:stCondLst>
+                      <p:childTnLst>
+                        <p:par>
+                          <p:cTn id="4" fill="hold">
+                            <p:stCondLst>
+                              <p:cond delay="0"/>
+                            </p:stCondLst>
+                            <p:childTnLst>
+                              <p:par>
+                                <p:cTn id="5" presetID="42" presetClass="entr" presetSubtype="0" fill="hold" nodeType="withEffect">
+                                  <p:stCondLst>
+                                    <p:cond delay="0"/>
+                                  </p:stCondLst>
+                                  <p:childTnLst>
+                                    <p:set>
+                                      <p:cBhvr>
+                                        <p:cTn id="6" dur="1" fill="hold">
+                                          <p:stCondLst>
+                                            <p:cond delay="0"/>
+                                          </p:stCondLst>
+                                        </p:cTn>
+                                        <p:tgtEl>
+                                          <p:spTgt spid="6"/>
+                                        </p:tgtEl>
+                                        <p:attrNameLst>
+                                          <p:attrName>style.visibility</p:attrName>
+                                        </p:attrNameLst>
+                                      </p:cBhvr>
+                                      <p:to>
+                                        <p:strVal val="visible"/>
+                                      </p:to>
+                                    </p:set>
+                                    <p:animEffect transition="in" filter="fade">
+                                      <p:cBhvr>
+                                        <p:cTn id="7" dur="1000"/>
+                                        <p:tgtEl>
+                                          <p:spTgt spid="6"/>
+                                        </p:tgtEl>
+                                      </p:cBhvr>
+                                    </p:animEffect>
+                                    <p:anim calcmode="lin" valueType="num">
+                                      <p:cBhvr>
+                                        <p:cTn id="8" dur="1000" fill="hold"/>
+                                        <p:tgtEl>
+                                          <p:spTgt spid="6"/>
+                                        </p:tgtEl>
+                                        <p:attrNameLst>
+                                          <p:attrName>ppt_x</p:attrName>
+                                        </p:attrNameLst>
+                                      </p:cBhvr>
+                                      <p:tavLst>
+                                        <p:tav tm="0">
+                                          <p:val>
+                                            <p:strVal val="#ppt_x"/>
+                                          </p:val>
+                                        </p:tav>
+                                        <p:tav tm="100000">
+                                          <p:val>
+                                            <p:strVal val="#ppt_x"/>
+                                          </p:val>
+                                        </p:tav>
+                                      </p:tavLst>
+                                    </p:anim>
+                                    <p:anim calcmode="lin" valueType="num">
+                                      <p:cBhvr>
+                                        <p:cTn id="9" dur="1000" fill="hold"/>
+                                        <p:tgtEl>
+                                          <p:spTgt spid="6"/>
+                                        </p:tgtEl>
+                                        <p:attrNameLst>
+                                          <p:attrName>ppt_y</p:attrName>
+                                        </p:attrNameLst>
+                                      </p:cBhvr>
+                                      <p:tavLst>
+                                        <p:tav tm="0">
+                                          <p:val>
+                                            <p:strVal val="#ppt_y+.1"/>
+                                          </p:val>
+                                        </p:tav>
+                                        <p:tav tm="100000">
+                                          <p:val>
+                                            <p:strVal val="#ppt_y"/>
+                                          </p:val>
+                                        </p:tav>
+                                      </p:tavLst>
+                                    </p:anim>
+                                  </p:childTnLst>
+                                </p:cTn>
+                              </p:par>
+                            </p:childTnLst>
+                          </p:cTn>
+                        </p:par>
+                      </p:childTnLst>
+                    </p:cTn>
+                  </p:par>
+                  <p:par>
+                    <p:cTn id="10" fill="hold">
+                      <p:stCondLst>
+                        <p:cond delay="indefinite"/>
+                      </p:stCondLst>
+                      <p:childTnLst>
+                        <p:par>
+                          <p:cTn id="11" fill="hold">
+                            <p:stCondLst>
+                              <p:cond delay="0"/>
+                            </p:stCondLst>
+                            <p:childTnLst>
+                              <p:par>
+                                <p:cTn id="12" presetID="10" presetClass="exit" presetSubtype="0" fill="hold" nodeType="clickEffect">
+                                  <p:stCondLst>
+                                    <p:cond delay="0"/>
+                                  </p:stCondLst>
+                                  <p:childTnLst>
+                                    <p:animEffect transition="out" filter="fade">
+                                      <p:cBhvr>
+                                        <p:cTn id="13" dur="500"/>
+                                        <p:tgtEl>
+                                          <p:spTgt spid="6"/>
+                                        </p:tgtEl>
+                                      </p:cBhvr>
+                                    </p:animEffect>
+                                    <p:set>
+                                      <p:cBhvr>
+                                        <p:cTn id="14" dur="1" fill="hold">
+                                          <p:stCondLst>
+                                            <p:cond delay="499"/>
+                                          </p:stCondLst>
+                                        </p:cTn>
+                                        <p:tgtEl>
+                                          <p:spTgt spid="6"/>
+                                        </p:tgtEl>
+                                        <p:attrNameLst>
+                                          <p:attrName>style.visibility</p:attrName>
+                                        </p:attrNameLst>
+                                      </p:cBhvr>
+                                      <p:to>
+                                        <p:strVal val="hidden"/>
+                                      </p:to>
+                                    </p:set>
+                                  </p:childTnLst>
+                                </p:cTn>
+                              </p:par>
+                            </p:childTnLst>
+                          </p:cTn>
+                        </p:par>
+                      </p:childTnLst>
+                    </p:cTn>
+                  </p:par>
+                </p:childTnLst>
+              </p:cTn>
+              <p:prevCondLst>
+                <p:cond evt="onPrev" delay="0">
+                  <p:tgtEl>
+                    <p:sldTgt/>
+                  </p:tgtEl>
+                </p:cond>
+              </p:prevCondLst>
+              <p:nextCondLst>
+                <p:cond evt="onNext" delay="0">
+                  <p:tgtEl>
+                    <p:sldTgt/>
+                  </p:tgtEl>
+                </p:cond>
+              </p:nextCondLst>
+            </p:seq>
+          </p:childTnLst>
+        </p:cTn>
+      </p:par>
+    </p:tnLst>
+  </p:timing>
+</p:sld>
+</file>
+
+<file path=ppt/slides/slide4.xml><?xml version="1.0" encoding="utf-8"?>
+<p:sld xmlns:a="http://schemas.openxmlformats.org/drawingml/2006/main" xmlns:r="http://schemas.openxmlformats.org/officeDocument/2006/relationships" xmlns:p="http://schemas.openxmlformats.org/presentationml/2006/main">
+  <p:cSld>
+    <p:bg>
+      <p:bgPr>
+        <a:solidFill>
+          <a:schemeClr val="tx1">
+            <a:lumMod val="75000"/>
+            <a:lumOff val="25000"/>
+          </a:schemeClr>
+        </a:solidFill>
+        <a:effectLst/>
+      </p:bgPr>
+    </p:bg>
+    <p:spTree>
+      <p:nvGrpSpPr>
+        <p:cNvPr id="1" name=""/>
+        <p:cNvGrpSpPr/>
+        <p:nvPr/>
+      </p:nvGrpSpPr>
+      <p:grpSpPr>
+        <a:xfrm>
+          <a:off x="0" y="0"/>
+          <a:ext cx="0" cy="0"/>
+          <a:chOff x="0" y="0"/>
+          <a:chExt cx="0" cy="0"/>
+        </a:xfrm>
+      </p:grpSpPr>
+      <p:sp>
+        <p:nvSpPr>
+          <p:cNvPr id="4" name="文字方塊 3">
+            <a:extLst>
+              <a:ext uri="{FF2B5EF4-FFF2-40B4-BE49-F238E27FC236}">
+                <a16:creationId xmlns:a16="http://schemas.microsoft.com/office/drawing/2014/main" id="{A6B257C7-B1C7-463D-9677-1E4FD059446E}"/>
+              </a:ext>
+            </a:extLst>
+          </p:cNvPr>
+          <p:cNvSpPr txBox="1"/>
+          <p:nvPr/>
+        </p:nvSpPr>
+        <p:spPr>
+          <a:xfrm>
+            <a:off x="337226" y="321013"/>
+            <a:ext cx="2198452" cy="584775"/>
+          </a:xfrm>
+          <a:prstGeom prst="rect">
+            <a:avLst/>
+          </a:prstGeom>
+          <a:noFill/>
+        </p:spPr>
+        <p:txBody>
+          <a:bodyPr wrap="square" rtlCol="0">
+            <a:spAutoFit/>
+          </a:bodyPr>
+          <a:lstStyle/>
+          <a:p>
+            <a:r>
+              <a:rPr lang="en-US" altLang="zh-TW" sz="3200" dirty="0">
+                <a:solidFill>
+                  <a:schemeClr val="tx2">
+                    <a:lumMod val="60000"/>
+                    <a:lumOff val="40000"/>
+                  </a:schemeClr>
+                </a:solidFill>
+                <a:latin typeface="Yu Gothic UI Semibold" panose="020B0700000000000000" pitchFamily="34" charset="-128"/>
+                <a:ea typeface="Yu Gothic UI Semibold" panose="020B0700000000000000" pitchFamily="34" charset="-128"/>
+              </a:rPr>
+              <a:t>4.</a:t>
+            </a:r>
+            <a:r>
+              <a:rPr lang="zh-TW" altLang="en-US" sz="3200" dirty="0">
+                <a:solidFill>
+                  <a:schemeClr val="tx2">
+                    <a:lumMod val="60000"/>
+                    <a:lumOff val="40000"/>
+                  </a:schemeClr>
+                </a:solidFill>
+                <a:latin typeface="Yu Gothic UI Semibold" panose="020B0700000000000000" pitchFamily="34" charset="-128"/>
+                <a:ea typeface="Yu Gothic UI Semibold" panose="020B0700000000000000" pitchFamily="34" charset="-128"/>
+              </a:rPr>
+              <a:t>結果</a:t>
+            </a:r>
+          </a:p>
+        </p:txBody>
+      </p:sp>
+      <p:pic>
+        <p:nvPicPr>
+          <p:cNvPr id="6" name="圖片 5">
+            <a:extLst>
+              <a:ext uri="{FF2B5EF4-FFF2-40B4-BE49-F238E27FC236}">
+                <a16:creationId xmlns:a16="http://schemas.microsoft.com/office/drawing/2014/main" id="{31D222E4-59D3-4663-9557-96C52927F40B}"/>
+              </a:ext>
+            </a:extLst>
+          </p:cNvPr>
+          <p:cNvPicPr>
+            <a:picLocks noChangeAspect="1"/>
+          </p:cNvPicPr>
+          <p:nvPr/>
+        </p:nvPicPr>
+        <p:blipFill>
+          <a:blip r:embed="rId3">
+            <a:extLst>
+              <a:ext uri="{28A0092B-C50C-407E-A947-70E740481C1C}">
+                <a14:useLocalDpi xmlns:a14="http://schemas.microsoft.com/office/drawing/2010/main" val="0"/>
+              </a:ext>
+            </a:extLst>
+          </a:blip>
+          <a:stretch>
+            <a:fillRect/>
+          </a:stretch>
+        </p:blipFill>
+        <p:spPr>
+          <a:xfrm>
+            <a:off x="1800000" y="180000"/>
+            <a:ext cx="3702857" cy="6480000"/>
+          </a:xfrm>
+          <a:prstGeom prst="rect">
+            <a:avLst/>
+          </a:prstGeom>
+        </p:spPr>
+      </p:pic>
+    </p:spTree>
+    <p:extLst>
+      <p:ext uri="{BB962C8B-B14F-4D97-AF65-F5344CB8AC3E}">
+        <p14:creationId xmlns:p14="http://schemas.microsoft.com/office/powerpoint/2010/main" val="1448041593"/>
+      </p:ext>
+    </p:extLst>
+  </p:cSld>
+  <p:clrMapOvr>
+    <a:masterClrMapping/>
+  </p:clrMapOvr>
+  <p:timing>
+    <p:tnLst>
+      <p:par>
+        <p:cTn id="1" dur="indefinite" restart="never" nodeType="tmRoot">
+          <p:childTnLst>
+            <p:seq concurrent="1" nextAc="seek">
+              <p:cTn id="2" dur="indefinite" nodeType="mainSeq">
+                <p:childTnLst>
+                  <p:par>
+                    <p:cTn id="3" fill="hold">
+                      <p:stCondLst>
+                        <p:cond delay="indefinite"/>
+                        <p:cond evt="onBegin" delay="0">
+                          <p:tn val="2"/>
+                        </p:cond>
+                      </p:stCondLst>
+                      <p:childTnLst>
+                        <p:par>
+                          <p:cTn id="4" fill="hold">
+                            <p:stCondLst>
+                              <p:cond delay="0"/>
+                            </p:stCondLst>
+                            <p:childTnLst>
+                              <p:par>
+                                <p:cTn id="5" presetID="42" presetClass="entr" presetSubtype="0" fill="hold" nodeType="withEffect">
+                                  <p:stCondLst>
+                                    <p:cond delay="0"/>
+                                  </p:stCondLst>
+                                  <p:childTnLst>
+                                    <p:set>
+                                      <p:cBhvr>
+                                        <p:cTn id="6" dur="1" fill="hold">
+                                          <p:stCondLst>
+                                            <p:cond delay="0"/>
+                                          </p:stCondLst>
+                                        </p:cTn>
+                                        <p:tgtEl>
+                                          <p:spTgt spid="6"/>
+                                        </p:tgtEl>
+                                        <p:attrNameLst>
+                                          <p:attrName>style.visibility</p:attrName>
+                                        </p:attrNameLst>
+                                      </p:cBhvr>
+                                      <p:to>
+                                        <p:strVal val="visible"/>
+                                      </p:to>
+                                    </p:set>
+                                    <p:animEffect transition="in" filter="fade">
+                                      <p:cBhvr>
+                                        <p:cTn id="7" dur="1000"/>
+                                        <p:tgtEl>
+                                          <p:spTgt spid="6"/>
+                                        </p:tgtEl>
+                                      </p:cBhvr>
+                                    </p:animEffect>
+                                    <p:anim calcmode="lin" valueType="num">
+                                      <p:cBhvr>
+                                        <p:cTn id="8" dur="1000" fill="hold"/>
+                                        <p:tgtEl>
+                                          <p:spTgt spid="6"/>
+                                        </p:tgtEl>
+                                        <p:attrNameLst>
+                                          <p:attrName>ppt_x</p:attrName>
+                                        </p:attrNameLst>
+                                      </p:cBhvr>
+                                      <p:tavLst>
+                                        <p:tav tm="0">
+                                          <p:val>
+                                            <p:strVal val="#ppt_x"/>
+                                          </p:val>
+                                        </p:tav>
+                                        <p:tav tm="100000">
+                                          <p:val>
+                                            <p:strVal val="#ppt_x"/>
+                                          </p:val>
+                                        </p:tav>
+                                      </p:tavLst>
+                                    </p:anim>
+                                    <p:anim calcmode="lin" valueType="num">
+                                      <p:cBhvr>
+                                        <p:cTn id="9" dur="1000" fill="hold"/>
+                                        <p:tgtEl>
+                                          <p:spTgt spid="6"/>
+                                        </p:tgtEl>
+                                        <p:attrNameLst>
+                                          <p:attrName>ppt_y</p:attrName>
+                                        </p:attrNameLst>
+                                      </p:cBhvr>
+                                      <p:tavLst>
+                                        <p:tav tm="0">
+                                          <p:val>
+                                            <p:strVal val="#ppt_y+.1"/>
+                                          </p:val>
+                                        </p:tav>
+                                        <p:tav tm="100000">
+                                          <p:val>
+                                            <p:strVal val="#ppt_y"/>
+                                          </p:val>
+                                        </p:tav>
+                                      </p:tavLst>
+                                    </p:anim>
+                                  </p:childTnLst>
+                                </p:cTn>
+                              </p:par>
+                            </p:childTnLst>
+                          </p:cTn>
+                        </p:par>
+                      </p:childTnLst>
+                    </p:cTn>
+                  </p:par>
+                  <p:par>
+                    <p:cTn id="10" fill="hold">
+                      <p:stCondLst>
+                        <p:cond delay="indefinite"/>
+                      </p:stCondLst>
+                      <p:childTnLst>
+                        <p:par>
+                          <p:cTn id="11" fill="hold">
+                            <p:stCondLst>
+                              <p:cond delay="0"/>
+                            </p:stCondLst>
+                            <p:childTnLst>
+                              <p:par>
+                                <p:cTn id="12" presetID="10" presetClass="exit" presetSubtype="0" fill="hold" nodeType="clickEffect">
+                                  <p:stCondLst>
+                                    <p:cond delay="0"/>
+                                  </p:stCondLst>
+                                  <p:childTnLst>
+                                    <p:animEffect transition="out" filter="fade">
+                                      <p:cBhvr>
+                                        <p:cTn id="13" dur="500"/>
+                                        <p:tgtEl>
+                                          <p:spTgt spid="6"/>
+                                        </p:tgtEl>
+                                      </p:cBhvr>
+                                    </p:animEffect>
+                                    <p:set>
+                                      <p:cBhvr>
+                                        <p:cTn id="14" dur="1" fill="hold">
+                                          <p:stCondLst>
+                                            <p:cond delay="499"/>
+                                          </p:stCondLst>
+                                        </p:cTn>
+                                        <p:tgtEl>
+                                          <p:spTgt spid="6"/>
+                                        </p:tgtEl>
+                                        <p:attrNameLst>
+                                          <p:attrName>style.visibility</p:attrName>
+                                        </p:attrNameLst>
+                                      </p:cBhvr>
+                                      <p:to>
+                                        <p:strVal val="hidden"/>
+                                      </p:to>
+                                    </p:set>
+                                  </p:childTnLst>
+                                </p:cTn>
+                              </p:par>
+                            </p:childTnLst>
+                          </p:cTn>
+                        </p:par>
+                      </p:childTnLst>
+                    </p:cTn>
+                  </p:par>
+                </p:childTnLst>
+              </p:cTn>
+              <p:prevCondLst>
+                <p:cond evt="onPrev" delay="0">
+                  <p:tgtEl>
+                    <p:sldTgt/>
+                  </p:tgtEl>
+                </p:cond>
+              </p:prevCondLst>
+              <p:nextCondLst>
+                <p:cond evt="onNext" delay="0">
+                  <p:tgtEl>
+                    <p:sldTgt/>
+                  </p:tgtEl>
+                </p:cond>
+              </p:nextCondLst>
+            </p:seq>
+          </p:childTnLst>
+        </p:cTn>
+      </p:par>
+    </p:tnLst>
+  </p:timing>
+</p:sld>
+</file>
+
+<file path=ppt/slides/slide5.xml><?xml version="1.0" encoding="utf-8"?>
+<p:sld xmlns:a="http://schemas.openxmlformats.org/drawingml/2006/main" xmlns:r="http://schemas.openxmlformats.org/officeDocument/2006/relationships" xmlns:p="http://schemas.openxmlformats.org/presentationml/2006/main">
+  <p:cSld>
+    <p:bg>
+      <p:bgPr>
+        <a:solidFill>
+          <a:schemeClr val="tx1">
+            <a:lumMod val="75000"/>
+            <a:lumOff val="25000"/>
+          </a:schemeClr>
+        </a:solidFill>
+        <a:effectLst/>
+      </p:bgPr>
+    </p:bg>
+    <p:spTree>
+      <p:nvGrpSpPr>
+        <p:cNvPr id="1" name=""/>
+        <p:cNvGrpSpPr/>
+        <p:nvPr/>
+      </p:nvGrpSpPr>
+      <p:grpSpPr>
+        <a:xfrm>
+          <a:off x="0" y="0"/>
+          <a:ext cx="0" cy="0"/>
+          <a:chOff x="0" y="0"/>
+          <a:chExt cx="0" cy="0"/>
+        </a:xfrm>
+      </p:grpSpPr>
+      <p:sp>
+        <p:nvSpPr>
+          <p:cNvPr id="4" name="文字方塊 3">
+            <a:extLst>
+              <a:ext uri="{FF2B5EF4-FFF2-40B4-BE49-F238E27FC236}">
+                <a16:creationId xmlns:a16="http://schemas.microsoft.com/office/drawing/2014/main" id="{48BB0375-D5DF-4C30-A678-481CF254A3F5}"/>
+              </a:ext>
+            </a:extLst>
+          </p:cNvPr>
+          <p:cNvSpPr txBox="1"/>
+          <p:nvPr/>
+        </p:nvSpPr>
+        <p:spPr>
+          <a:xfrm>
+            <a:off x="337226" y="321013"/>
+            <a:ext cx="2198452" cy="584775"/>
+          </a:xfrm>
+          <a:prstGeom prst="rect">
+            <a:avLst/>
+          </a:prstGeom>
+          <a:noFill/>
+        </p:spPr>
+        <p:txBody>
+          <a:bodyPr wrap="square" rtlCol="0">
+            <a:spAutoFit/>
+          </a:bodyPr>
+          <a:lstStyle/>
+          <a:p>
+            <a:r>
+              <a:rPr lang="en-US" altLang="zh-TW" sz="3200" dirty="0">
+                <a:solidFill>
+                  <a:schemeClr val="tx2">
+                    <a:lumMod val="60000"/>
+                    <a:lumOff val="40000"/>
+                  </a:schemeClr>
+                </a:solidFill>
+                <a:latin typeface="Yu Gothic UI Semibold" panose="020B0700000000000000" pitchFamily="34" charset="-128"/>
+                <a:ea typeface="Yu Gothic UI Semibold" panose="020B0700000000000000" pitchFamily="34" charset="-128"/>
+              </a:rPr>
+              <a:t>5.</a:t>
+            </a:r>
+            <a:r>
+              <a:rPr lang="zh-TW" altLang="en-US" sz="3200" dirty="0">
+                <a:solidFill>
+                  <a:schemeClr val="tx2">
+                    <a:lumMod val="60000"/>
+                    <a:lumOff val="40000"/>
+                  </a:schemeClr>
+                </a:solidFill>
+                <a:latin typeface="Yu Gothic UI Semibold" panose="020B0700000000000000" pitchFamily="34" charset="-128"/>
+                <a:ea typeface="Yu Gothic UI Semibold" panose="020B0700000000000000" pitchFamily="34" charset="-128"/>
+              </a:rPr>
+              <a:t>意外</a:t>
+            </a:r>
+          </a:p>
+        </p:txBody>
+      </p:sp>
+      <p:pic>
+        <p:nvPicPr>
+          <p:cNvPr id="3" name="圖片 2">
+            <a:extLst>
+              <a:ext uri="{FF2B5EF4-FFF2-40B4-BE49-F238E27FC236}">
+                <a16:creationId xmlns:a16="http://schemas.microsoft.com/office/drawing/2014/main" id="{0BB58879-32FC-4E69-8CEF-5D48AD367635}"/>
+              </a:ext>
+            </a:extLst>
+          </p:cNvPr>
+          <p:cNvPicPr>
+            <a:picLocks noChangeAspect="1"/>
+          </p:cNvPicPr>
+          <p:nvPr/>
+        </p:nvPicPr>
+        <p:blipFill>
+          <a:blip r:embed="rId3">
+            <a:extLst>
+              <a:ext uri="{28A0092B-C50C-407E-A947-70E740481C1C}">
+                <a14:useLocalDpi xmlns:a14="http://schemas.microsoft.com/office/drawing/2010/main" val="0"/>
+              </a:ext>
+            </a:extLst>
+          </a:blip>
+          <a:stretch>
+            <a:fillRect/>
+          </a:stretch>
+        </p:blipFill>
+        <p:spPr>
+          <a:xfrm>
+            <a:off x="1800000" y="180000"/>
+            <a:ext cx="3702857" cy="6480000"/>
+          </a:xfrm>
+          <a:prstGeom prst="rect">
+            <a:avLst/>
+          </a:prstGeom>
+        </p:spPr>
+      </p:pic>
+    </p:spTree>
+    <p:extLst>
+      <p:ext uri="{BB962C8B-B14F-4D97-AF65-F5344CB8AC3E}">
+        <p14:creationId xmlns:p14="http://schemas.microsoft.com/office/powerpoint/2010/main" val="552920878"/>
+      </p:ext>
+    </p:extLst>
+  </p:cSld>
+  <p:clrMapOvr>
+    <a:masterClrMapping/>
+  </p:clrMapOvr>
+  <p:timing>
+    <p:tnLst>
+      <p:par>
+        <p:cTn id="1" dur="indefinite" restart="never" nodeType="tmRoot">
+          <p:childTnLst>
+            <p:seq concurrent="1" nextAc="seek">
+              <p:cTn id="2" dur="indefinite" nodeType="mainSeq">
+                <p:childTnLst>
+                  <p:par>
+                    <p:cTn id="3" fill="hold">
+                      <p:stCondLst>
+                        <p:cond delay="indefinite"/>
+                        <p:cond evt="onBegin" delay="0">
+                          <p:tn val="2"/>
+                        </p:cond>
+                      </p:stCondLst>
+                      <p:childTnLst>
+                        <p:par>
+                          <p:cTn id="4" fill="hold">
+                            <p:stCondLst>
+                              <p:cond delay="0"/>
+                            </p:stCondLst>
+                            <p:childTnLst>
+                              <p:par>
+                                <p:cTn id="5" presetID="42" presetClass="entr" presetSubtype="0" fill="hold" nodeType="withEffect">
+                                  <p:stCondLst>
+                                    <p:cond delay="0"/>
+                                  </p:stCondLst>
+                                  <p:childTnLst>
+                                    <p:set>
+                                      <p:cBhvr>
+                                        <p:cTn id="6" dur="1" fill="hold">
+                                          <p:stCondLst>
+                                            <p:cond delay="0"/>
+                                          </p:stCondLst>
+                                        </p:cTn>
+                                        <p:tgtEl>
+                                          <p:spTgt spid="3"/>
+                                        </p:tgtEl>
+                                        <p:attrNameLst>
+                                          <p:attrName>style.visibility</p:attrName>
+                                        </p:attrNameLst>
+                                      </p:cBhvr>
+                                      <p:to>
+                                        <p:strVal val="visible"/>
+                                      </p:to>
+                                    </p:set>
+                                    <p:animEffect transition="in" filter="fade">
+                                      <p:cBhvr>
+                                        <p:cTn id="7" dur="1000"/>
+                                        <p:tgtEl>
+                                          <p:spTgt spid="3"/>
+                                        </p:tgtEl>
+                                      </p:cBhvr>
+                                    </p:animEffect>
+                                    <p:anim calcmode="lin" valueType="num">
+                                      <p:cBhvr>
+                                        <p:cTn id="8" dur="1000" fill="hold"/>
+                                        <p:tgtEl>
+                                          <p:spTgt spid="3"/>
+                                        </p:tgtEl>
+                                        <p:attrNameLst>
+                                          <p:attrName>ppt_x</p:attrName>
+                                        </p:attrNameLst>
+                                      </p:cBhvr>
+                                      <p:tavLst>
+                                        <p:tav tm="0">
+                                          <p:val>
+                                            <p:strVal val="#ppt_x"/>
+                                          </p:val>
+                                        </p:tav>
+                                        <p:tav tm="100000">
+                                          <p:val>
+                                            <p:strVal val="#ppt_x"/>
+                                          </p:val>
+                                        </p:tav>
+                                      </p:tavLst>
+                                    </p:anim>
+                                    <p:anim calcmode="lin" valueType="num">
+                                      <p:cBhvr>
+                                        <p:cTn id="9" dur="1000" fill="hold"/>
+                                        <p:tgtEl>
+                                          <p:spTgt spid="3"/>
+                                        </p:tgtEl>
+                                        <p:attrNameLst>
+                                          <p:attrName>ppt_y</p:attrName>
+                                        </p:attrNameLst>
+                                      </p:cBhvr>
+                                      <p:tavLst>
+                                        <p:tav tm="0">
+                                          <p:val>
+                                            <p:strVal val="#ppt_y+.1"/>
+                                          </p:val>
+                                        </p:tav>
+                                        <p:tav tm="100000">
+                                          <p:val>
+                                            <p:strVal val="#ppt_y"/>
+                                          </p:val>
+                                        </p:tav>
+                                      </p:tavLst>
+                                    </p:anim>
+                                  </p:childTnLst>
+                                </p:cTn>
+                              </p:par>
+                            </p:childTnLst>
+                          </p:cTn>
+                        </p:par>
+                      </p:childTnLst>
+                    </p:cTn>
+                  </p:par>
+                  <p:par>
+                    <p:cTn id="10" fill="hold">
+                      <p:stCondLst>
+                        <p:cond delay="indefinite"/>
+                      </p:stCondLst>
+                      <p:childTnLst>
+                        <p:par>
+                          <p:cTn id="11" fill="hold">
+                            <p:stCondLst>
+                              <p:cond delay="0"/>
+                            </p:stCondLst>
+                            <p:childTnLst>
+                              <p:par>
+                                <p:cTn id="12" presetID="10" presetClass="exit" presetSubtype="0" fill="hold" nodeType="clickEffect">
+                                  <p:stCondLst>
+                                    <p:cond delay="0"/>
+                                  </p:stCondLst>
+                                  <p:childTnLst>
+                                    <p:animEffect transition="out" filter="fade">
+                                      <p:cBhvr>
+                                        <p:cTn id="13" dur="500"/>
+                                        <p:tgtEl>
+                                          <p:spTgt spid="3"/>
+                                        </p:tgtEl>
+                                      </p:cBhvr>
+                                    </p:animEffect>
+                                    <p:set>
+                                      <p:cBhvr>
+                                        <p:cTn id="14" dur="1" fill="hold">
+                                          <p:stCondLst>
+                                            <p:cond delay="499"/>
+                                          </p:stCondLst>
+                                        </p:cTn>
+                                        <p:tgtEl>
+                                          <p:spTgt spid="3"/>
+                                        </p:tgtEl>
+                                        <p:attrNameLst>
+                                          <p:attrName>style.visibility</p:attrName>
+                                        </p:attrNameLst>
+                                      </p:cBhvr>
+                                      <p:to>
+                                        <p:strVal val="hidden"/>
+                                      </p:to>
+                                    </p:set>
+                                  </p:childTnLst>
+                                </p:cTn>
+                              </p:par>
+                            </p:childTnLst>
+                          </p:cTn>
+                        </p:par>
+                      </p:childTnLst>
+                    </p:cTn>
+                  </p:par>
+                </p:childTnLst>
+              </p:cTn>
+              <p:prevCondLst>
+                <p:cond evt="onPrev" delay="0">
+                  <p:tgtEl>
+                    <p:sldTgt/>
+                  </p:tgtEl>
+                </p:cond>
+              </p:prevCondLst>
+              <p:nextCondLst>
+                <p:cond evt="onNext" delay="0">
+                  <p:tgtEl>
+                    <p:sldTgt/>
+                  </p:tgtEl>
+                </p:cond>
+              </p:nextCondLst>
+            </p:seq>
+          </p:childTnLst>
+        </p:cTn>
+      </p:par>
+    </p:tnLst>
+  </p:timing>
+</p:sld>
+</file>
+
+<file path=ppt/slides/slide6.xml><?xml version="1.0" encoding="utf-8"?>
+<p:sld xmlns:a="http://schemas.openxmlformats.org/drawingml/2006/main" xmlns:r="http://schemas.openxmlformats.org/officeDocument/2006/relationships" xmlns:p="http://schemas.openxmlformats.org/presentationml/2006/main">
+  <p:cSld>
+    <p:bg>
+      <p:bgPr>
+        <a:solidFill>
+          <a:schemeClr val="tx1">
+            <a:lumMod val="75000"/>
+            <a:lumOff val="25000"/>
+          </a:schemeClr>
+        </a:solidFill>
+        <a:effectLst/>
+      </p:bgPr>
+    </p:bg>
+    <p:spTree>
+      <p:nvGrpSpPr>
+        <p:cNvPr id="1" name=""/>
+        <p:cNvGrpSpPr/>
+        <p:nvPr/>
+      </p:nvGrpSpPr>
+      <p:grpSpPr>
+        <a:xfrm>
+          <a:off x="0" y="0"/>
+          <a:ext cx="0" cy="0"/>
+          <a:chOff x="0" y="0"/>
+          <a:chExt cx="0" cy="0"/>
+        </a:xfrm>
+      </p:grpSpPr>
+      <p:sp>
+        <p:nvSpPr>
+          <p:cNvPr id="4" name="文字方塊 3">
+            <a:extLst>
+              <a:ext uri="{FF2B5EF4-FFF2-40B4-BE49-F238E27FC236}">
+                <a16:creationId xmlns:a16="http://schemas.microsoft.com/office/drawing/2014/main" id="{61125AB2-D57E-4E64-94FC-3518DA0651BB}"/>
+              </a:ext>
+            </a:extLst>
+          </p:cNvPr>
+          <p:cNvSpPr txBox="1"/>
+          <p:nvPr/>
+        </p:nvSpPr>
+        <p:spPr>
+          <a:xfrm>
+            <a:off x="337226" y="321013"/>
+            <a:ext cx="2198452" cy="584775"/>
+          </a:xfrm>
+          <a:prstGeom prst="rect">
+            <a:avLst/>
+          </a:prstGeom>
+          <a:noFill/>
+        </p:spPr>
+        <p:txBody>
+          <a:bodyPr wrap="square" rtlCol="0">
+            <a:spAutoFit/>
+          </a:bodyPr>
+          <a:lstStyle/>
+          <a:p>
+            <a:r>
+              <a:rPr lang="en-US" altLang="zh-TW" sz="3200" dirty="0">
+                <a:solidFill>
+                  <a:schemeClr val="tx2">
+                    <a:lumMod val="60000"/>
+                    <a:lumOff val="40000"/>
+                  </a:schemeClr>
+                </a:solidFill>
+                <a:latin typeface="Yu Gothic UI Semibold" panose="020B0700000000000000" pitchFamily="34" charset="-128"/>
+                <a:ea typeface="Yu Gothic UI Semibold" panose="020B0700000000000000" pitchFamily="34" charset="-128"/>
+              </a:rPr>
+              <a:t>6.</a:t>
+            </a:r>
+            <a:r>
+              <a:rPr lang="zh-TW" altLang="en-US" sz="3200" dirty="0">
+                <a:solidFill>
+                  <a:schemeClr val="tx2">
+                    <a:lumMod val="60000"/>
+                    <a:lumOff val="40000"/>
+                  </a:schemeClr>
+                </a:solidFill>
+                <a:latin typeface="Yu Gothic UI Semibold" panose="020B0700000000000000" pitchFamily="34" charset="-128"/>
+                <a:ea typeface="Yu Gothic UI Semibold" panose="020B0700000000000000" pitchFamily="34" charset="-128"/>
+              </a:rPr>
+              <a:t>轉彎</a:t>
+            </a:r>
+          </a:p>
+        </p:txBody>
+      </p:sp>
+      <p:pic>
+        <p:nvPicPr>
+          <p:cNvPr id="3" name="圖片 2">
+            <a:extLst>
+              <a:ext uri="{FF2B5EF4-FFF2-40B4-BE49-F238E27FC236}">
+                <a16:creationId xmlns:a16="http://schemas.microsoft.com/office/drawing/2014/main" id="{A7225499-5962-49B9-9A24-BAA815BE4738}"/>
+              </a:ext>
+            </a:extLst>
+          </p:cNvPr>
+          <p:cNvPicPr>
+            <a:picLocks noChangeAspect="1"/>
+          </p:cNvPicPr>
+          <p:nvPr/>
+        </p:nvPicPr>
+        <p:blipFill>
+          <a:blip r:embed="rId3">
+            <a:extLst>
+              <a:ext uri="{28A0092B-C50C-407E-A947-70E740481C1C}">
+                <a14:useLocalDpi xmlns:a14="http://schemas.microsoft.com/office/drawing/2010/main" val="0"/>
+              </a:ext>
+            </a:extLst>
+          </a:blip>
+          <a:stretch>
+            <a:fillRect/>
+          </a:stretch>
+        </p:blipFill>
+        <p:spPr>
+          <a:xfrm>
+            <a:off x="1800000" y="180000"/>
+            <a:ext cx="3702857" cy="6480000"/>
+          </a:xfrm>
+          <a:prstGeom prst="rect">
+            <a:avLst/>
+          </a:prstGeom>
+        </p:spPr>
+      </p:pic>
+    </p:spTree>
+    <p:extLst>
+      <p:ext uri="{BB962C8B-B14F-4D97-AF65-F5344CB8AC3E}">
+        <p14:creationId xmlns:p14="http://schemas.microsoft.com/office/powerpoint/2010/main" val="3193099209"/>
+      </p:ext>
+    </p:extLst>
+  </p:cSld>
+  <p:clrMapOvr>
+    <a:masterClrMapping/>
+  </p:clrMapOvr>
+  <p:timing>
+    <p:tnLst>
+      <p:par>
+        <p:cTn id="1" dur="indefinite" restart="never" nodeType="tmRoot">
+          <p:childTnLst>
+            <p:seq concurrent="1" nextAc="seek">
+              <p:cTn id="2" dur="indefinite" nodeType="mainSeq">
+                <p:childTnLst>
+                  <p:par>
+                    <p:cTn id="3" fill="hold">
+                      <p:stCondLst>
+                        <p:cond delay="indefinite"/>
+                        <p:cond evt="onBegin" delay="0">
+                          <p:tn val="2"/>
+                        </p:cond>
+                      </p:stCondLst>
+                      <p:childTnLst>
+                        <p:par>
+                          <p:cTn id="4" fill="hold">
+                            <p:stCondLst>
+                              <p:cond delay="0"/>
+                            </p:stCondLst>
+                            <p:childTnLst>
+                              <p:par>
+                                <p:cTn id="5" presetID="42" presetClass="entr" presetSubtype="0" fill="hold" nodeType="withEffect">
+                                  <p:stCondLst>
+                                    <p:cond delay="0"/>
+                                  </p:stCondLst>
+                                  <p:childTnLst>
+                                    <p:set>
+                                      <p:cBhvr>
+                                        <p:cTn id="6" dur="1" fill="hold">
+                                          <p:stCondLst>
+                                            <p:cond delay="0"/>
+                                          </p:stCondLst>
+                                        </p:cTn>
+                                        <p:tgtEl>
+                                          <p:spTgt spid="3"/>
+                                        </p:tgtEl>
+                                        <p:attrNameLst>
+                                          <p:attrName>style.visibility</p:attrName>
+                                        </p:attrNameLst>
+                                      </p:cBhvr>
+                                      <p:to>
+                                        <p:strVal val="visible"/>
+                                      </p:to>
+                                    </p:set>
+                                    <p:animEffect transition="in" filter="fade">
+                                      <p:cBhvr>
+                                        <p:cTn id="7" dur="1000"/>
+                                        <p:tgtEl>
+                                          <p:spTgt spid="3"/>
+                                        </p:tgtEl>
+                                      </p:cBhvr>
+                                    </p:animEffect>
+                                    <p:anim calcmode="lin" valueType="num">
+                                      <p:cBhvr>
+                                        <p:cTn id="8" dur="1000" fill="hold"/>
+                                        <p:tgtEl>
+                                          <p:spTgt spid="3"/>
+                                        </p:tgtEl>
+                                        <p:attrNameLst>
+                                          <p:attrName>ppt_x</p:attrName>
+                                        </p:attrNameLst>
+                                      </p:cBhvr>
+                                      <p:tavLst>
+                                        <p:tav tm="0">
+                                          <p:val>
+                                            <p:strVal val="#ppt_x"/>
+                                          </p:val>
+                                        </p:tav>
+                                        <p:tav tm="100000">
+                                          <p:val>
+                                            <p:strVal val="#ppt_x"/>
+                                          </p:val>
+                                        </p:tav>
+                                      </p:tavLst>
+                                    </p:anim>
+                                    <p:anim calcmode="lin" valueType="num">
+                                      <p:cBhvr>
+                                        <p:cTn id="9" dur="1000" fill="hold"/>
+                                        <p:tgtEl>
+                                          <p:spTgt spid="3"/>
+                                        </p:tgtEl>
+                                        <p:attrNameLst>
+                                          <p:attrName>ppt_y</p:attrName>
+                                        </p:attrNameLst>
+                                      </p:cBhvr>
+                                      <p:tavLst>
+                                        <p:tav tm="0">
+                                          <p:val>
+                                            <p:strVal val="#ppt_y+.1"/>
+                                          </p:val>
+                                        </p:tav>
+                                        <p:tav tm="100000">
+                                          <p:val>
+                                            <p:strVal val="#ppt_y"/>
+                                          </p:val>
+                                        </p:tav>
+                                      </p:tavLst>
+                                    </p:anim>
+                                  </p:childTnLst>
+                                </p:cTn>
+                              </p:par>
+                            </p:childTnLst>
+                          </p:cTn>
+                        </p:par>
+                      </p:childTnLst>
+                    </p:cTn>
+                  </p:par>
+                  <p:par>
+                    <p:cTn id="10" fill="hold">
+                      <p:stCondLst>
+                        <p:cond delay="indefinite"/>
+                      </p:stCondLst>
+                      <p:childTnLst>
+                        <p:par>
+                          <p:cTn id="11" fill="hold">
+                            <p:stCondLst>
+                              <p:cond delay="0"/>
+                            </p:stCondLst>
+                            <p:childTnLst>
+                              <p:par>
+                                <p:cTn id="12" presetID="10" presetClass="exit" presetSubtype="0" fill="hold" nodeType="clickEffect">
+                                  <p:stCondLst>
+                                    <p:cond delay="0"/>
+                                  </p:stCondLst>
+                                  <p:childTnLst>
+                                    <p:animEffect transition="out" filter="fade">
+                                      <p:cBhvr>
+                                        <p:cTn id="13" dur="500"/>
+                                        <p:tgtEl>
+                                          <p:spTgt spid="3"/>
+                                        </p:tgtEl>
+                                      </p:cBhvr>
+                                    </p:animEffect>
+                                    <p:set>
+                                      <p:cBhvr>
+                                        <p:cTn id="14" dur="1" fill="hold">
+                                          <p:stCondLst>
+                                            <p:cond delay="499"/>
+                                          </p:stCondLst>
+                                        </p:cTn>
+                                        <p:tgtEl>
+                                          <p:spTgt spid="3"/>
+                                        </p:tgtEl>
+                                        <p:attrNameLst>
+                                          <p:attrName>style.visibility</p:attrName>
+                                        </p:attrNameLst>
+                                      </p:cBhvr>
+                                      <p:to>
+                                        <p:strVal val="hidden"/>
+                                      </p:to>
+                                    </p:set>
+                                  </p:childTnLst>
+                                </p:cTn>
+                              </p:par>
+                            </p:childTnLst>
+                          </p:cTn>
+                        </p:par>
+                      </p:childTnLst>
+                    </p:cTn>
+                  </p:par>
+                </p:childTnLst>
+              </p:cTn>
+              <p:prevCondLst>
+                <p:cond evt="onPrev" delay="0">
+                  <p:tgtEl>
+                    <p:sldTgt/>
+                  </p:tgtEl>
+                </p:cond>
+              </p:prevCondLst>
+              <p:nextCondLst>
+                <p:cond evt="onNext" delay="0">
+                  <p:tgtEl>
+                    <p:sldTgt/>
+                  </p:tgtEl>
+                </p:cond>
+              </p:nextCondLst>
+            </p:seq>
+          </p:childTnLst>
+        </p:cTn>
+      </p:par>
+    </p:tnLst>
+  </p:timing>
+</p:sld>
+</file>
+
+<file path=ppt/slides/slide7.xml><?xml version="1.0" encoding="utf-8"?>
+<p:sld xmlns:a="http://schemas.openxmlformats.org/drawingml/2006/main" xmlns:r="http://schemas.openxmlformats.org/officeDocument/2006/relationships" xmlns:p="http://schemas.openxmlformats.org/presentationml/2006/main">
+  <p:cSld>
+    <p:bg>
+      <p:bgPr>
+        <a:solidFill>
+          <a:schemeClr val="tx1">
+            <a:lumMod val="75000"/>
+            <a:lumOff val="25000"/>
+          </a:schemeClr>
+        </a:solidFill>
+        <a:effectLst/>
+      </p:bgPr>
+    </p:bg>
+    <p:spTree>
+      <p:nvGrpSpPr>
+        <p:cNvPr id="1" name=""/>
+        <p:cNvGrpSpPr/>
+        <p:nvPr/>
+      </p:nvGrpSpPr>
+      <p:grpSpPr>
+        <a:xfrm>
+          <a:off x="0" y="0"/>
+          <a:ext cx="0" cy="0"/>
+          <a:chOff x="0" y="0"/>
+          <a:chExt cx="0" cy="0"/>
+        </a:xfrm>
+      </p:grpSpPr>
+      <p:sp>
+        <p:nvSpPr>
+          <p:cNvPr id="4" name="文字方塊 3">
+            <a:extLst>
+              <a:ext uri="{FF2B5EF4-FFF2-40B4-BE49-F238E27FC236}">
+                <a16:creationId xmlns:a16="http://schemas.microsoft.com/office/drawing/2014/main" id="{4AE7C70C-2520-4E96-A127-EFE4F763B8BF}"/>
+              </a:ext>
+            </a:extLst>
+          </p:cNvPr>
+          <p:cNvSpPr txBox="1"/>
+          <p:nvPr/>
+        </p:nvSpPr>
+        <p:spPr>
+          <a:xfrm>
+            <a:off x="337226" y="321013"/>
+            <a:ext cx="2198452" cy="584775"/>
+          </a:xfrm>
+          <a:prstGeom prst="rect">
+            <a:avLst/>
+          </a:prstGeom>
+          <a:noFill/>
+        </p:spPr>
+        <p:txBody>
+          <a:bodyPr wrap="square" rtlCol="0">
+            <a:spAutoFit/>
+          </a:bodyPr>
+          <a:lstStyle/>
+          <a:p>
+            <a:r>
+              <a:rPr lang="en-US" altLang="zh-TW" sz="3200" dirty="0">
+                <a:solidFill>
+                  <a:schemeClr val="tx2">
+                    <a:lumMod val="60000"/>
+                    <a:lumOff val="40000"/>
+                  </a:schemeClr>
+                </a:solidFill>
+                <a:latin typeface="Yu Gothic UI Semibold" panose="020B0700000000000000" pitchFamily="34" charset="-128"/>
+                <a:ea typeface="Yu Gothic UI Semibold" panose="020B0700000000000000" pitchFamily="34" charset="-128"/>
+              </a:rPr>
+              <a:t>7.</a:t>
+            </a:r>
+            <a:r>
+              <a:rPr lang="zh-TW" altLang="en-US" sz="3200" dirty="0">
+                <a:solidFill>
+                  <a:schemeClr val="tx2">
+                    <a:lumMod val="60000"/>
+                    <a:lumOff val="40000"/>
+                  </a:schemeClr>
+                </a:solidFill>
+                <a:latin typeface="Yu Gothic UI Semibold" panose="020B0700000000000000" pitchFamily="34" charset="-128"/>
+                <a:ea typeface="Yu Gothic UI Semibold" panose="020B0700000000000000" pitchFamily="34" charset="-128"/>
+              </a:rPr>
+              <a:t>結局</a:t>
+            </a:r>
+          </a:p>
+        </p:txBody>
+      </p:sp>
+      <p:pic>
+        <p:nvPicPr>
+          <p:cNvPr id="3" name="圖片 2">
+            <a:extLst>
+              <a:ext uri="{FF2B5EF4-FFF2-40B4-BE49-F238E27FC236}">
+                <a16:creationId xmlns:a16="http://schemas.microsoft.com/office/drawing/2014/main" id="{C95B703A-906B-481F-B2B6-7F03C431E96B}"/>
+              </a:ext>
+            </a:extLst>
+          </p:cNvPr>
+          <p:cNvPicPr>
+            <a:picLocks noChangeAspect="1"/>
+          </p:cNvPicPr>
+          <p:nvPr/>
+        </p:nvPicPr>
+        <p:blipFill>
+          <a:blip r:embed="rId3">
+            <a:extLst>
+              <a:ext uri="{28A0092B-C50C-407E-A947-70E740481C1C}">
+                <a14:useLocalDpi xmlns:a14="http://schemas.microsoft.com/office/drawing/2010/main" val="0"/>
+              </a:ext>
+            </a:extLst>
+          </a:blip>
+          <a:stretch>
+            <a:fillRect/>
+          </a:stretch>
+        </p:blipFill>
+        <p:spPr>
+          <a:xfrm>
+            <a:off x="1800000" y="180000"/>
+            <a:ext cx="3702857" cy="6480000"/>
+          </a:xfrm>
+          <a:prstGeom prst="rect">
+            <a:avLst/>
+          </a:prstGeom>
+        </p:spPr>
+      </p:pic>
+    </p:spTree>
+    <p:extLst>
+      <p:ext uri="{BB962C8B-B14F-4D97-AF65-F5344CB8AC3E}">
+        <p14:creationId xmlns:p14="http://schemas.microsoft.com/office/powerpoint/2010/main" val="4241725615"/>
+      </p:ext>
+    </p:extLst>
+  </p:cSld>
+  <p:clrMapOvr>
+    <a:masterClrMapping/>
+  </p:clrMapOvr>
+  <p:timing>
+    <p:tnLst>
+      <p:par>
+        <p:cTn id="1" dur="indefinite" restart="never" nodeType="tmRoot">
+          <p:childTnLst>
+            <p:seq concurrent="1" nextAc="seek">
+              <p:cTn id="2" dur="indefinite" nodeType="mainSeq">
+                <p:childTnLst>
+                  <p:par>
+                    <p:cTn id="3" fill="hold">
+                      <p:stCondLst>
+                        <p:cond delay="indefinite"/>
+                        <p:cond evt="onBegin" delay="0">
+                          <p:tn val="2"/>
+                        </p:cond>
+                      </p:stCondLst>
+                      <p:childTnLst>
+                        <p:par>
+                          <p:cTn id="4" fill="hold">
+                            <p:stCondLst>
+                              <p:cond delay="0"/>
+                            </p:stCondLst>
+                            <p:childTnLst>
+                              <p:par>
+                                <p:cTn id="5" presetID="42" presetClass="entr" presetSubtype="0" fill="hold" nodeType="withEffect">
+                                  <p:stCondLst>
+                                    <p:cond delay="0"/>
+                                  </p:stCondLst>
+                                  <p:childTnLst>
+                                    <p:set>
+                                      <p:cBhvr>
+                                        <p:cTn id="6" dur="1" fill="hold">
+                                          <p:stCondLst>
+                                            <p:cond delay="0"/>
+                                          </p:stCondLst>
+                                        </p:cTn>
+                                        <p:tgtEl>
+                                          <p:spTgt spid="3"/>
+                                        </p:tgtEl>
+                                        <p:attrNameLst>
+                                          <p:attrName>style.visibility</p:attrName>
+                                        </p:attrNameLst>
+                                      </p:cBhvr>
+                                      <p:to>
+                                        <p:strVal val="visible"/>
+                                      </p:to>
+                                    </p:set>
+                                    <p:animEffect transition="in" filter="fade">
+                                      <p:cBhvr>
+                                        <p:cTn id="7" dur="1000"/>
+                                        <p:tgtEl>
+                                          <p:spTgt spid="3"/>
+                                        </p:tgtEl>
+                                      </p:cBhvr>
+                                    </p:animEffect>
+                                    <p:anim calcmode="lin" valueType="num">
+                                      <p:cBhvr>
+                                        <p:cTn id="8" dur="1000" fill="hold"/>
+                                        <p:tgtEl>
+                                          <p:spTgt spid="3"/>
+                                        </p:tgtEl>
+                                        <p:attrNameLst>
+                                          <p:attrName>ppt_x</p:attrName>
+                                        </p:attrNameLst>
+                                      </p:cBhvr>
+                                      <p:tavLst>
+                                        <p:tav tm="0">
+                                          <p:val>
+                                            <p:strVal val="#ppt_x"/>
+                                          </p:val>
+                                        </p:tav>
+                                        <p:tav tm="100000">
+                                          <p:val>
+                                            <p:strVal val="#ppt_x"/>
+                                          </p:val>
+                                        </p:tav>
+                                      </p:tavLst>
+                                    </p:anim>
+                                    <p:anim calcmode="lin" valueType="num">
+                                      <p:cBhvr>
+                                        <p:cTn id="9" dur="1000" fill="hold"/>
+                                        <p:tgtEl>
+                                          <p:spTgt spid="3"/>
+                                        </p:tgtEl>
+                                        <p:attrNameLst>
+                                          <p:attrName>ppt_y</p:attrName>
+                                        </p:attrNameLst>
+                                      </p:cBhvr>
+                                      <p:tavLst>
+                                        <p:tav tm="0">
+                                          <p:val>
+                                            <p:strVal val="#ppt_y+.1"/>
+                                          </p:val>
+                                        </p:tav>
+                                        <p:tav tm="100000">
+                                          <p:val>
+                                            <p:strVal val="#ppt_y"/>
+                                          </p:val>
+                                        </p:tav>
+                                      </p:tavLst>
+                                    </p:anim>
+                                  </p:childTnLst>
+                                </p:cTn>
+                              </p:par>
+                            </p:childTnLst>
+                          </p:cTn>
+                        </p:par>
+                      </p:childTnLst>
+                    </p:cTn>
+                  </p:par>
+                  <p:par>
+                    <p:cTn id="10" fill="hold">
+                      <p:stCondLst>
+                        <p:cond delay="indefinite"/>
+                      </p:stCondLst>
+                      <p:childTnLst>
+                        <p:par>
+                          <p:cTn id="11" fill="hold">
+                            <p:stCondLst>
+                              <p:cond delay="0"/>
+                            </p:stCondLst>
+                            <p:childTnLst>
+                              <p:par>
+                                <p:cTn id="12" presetID="10" presetClass="exit" presetSubtype="0" fill="hold" nodeType="clickEffect">
+                                  <p:stCondLst>
+                                    <p:cond delay="0"/>
+                                  </p:stCondLst>
+                                  <p:childTnLst>
+                                    <p:animEffect transition="out" filter="fade">
+                                      <p:cBhvr>
+                                        <p:cTn id="13" dur="500"/>
+                                        <p:tgtEl>
+                                          <p:spTgt spid="3"/>
+                                        </p:tgtEl>
+                                      </p:cBhvr>
+                                    </p:animEffect>
+                                    <p:set>
+                                      <p:cBhvr>
+                                        <p:cTn id="14" dur="1" fill="hold">
+                                          <p:stCondLst>
+                                            <p:cond delay="499"/>
+                                          </p:stCondLst>
+                                        </p:cTn>
+                                        <p:tgtEl>
+                                          <p:spTgt spid="3"/>
+                                        </p:tgtEl>
+                                        <p:attrNameLst>
+                                          <p:attrName>style.visibility</p:attrName>
+                                        </p:attrNameLst>
+                                      </p:cBhvr>
+                                      <p:to>
+                                        <p:strVal val="hidden"/>
+                                      </p:to>
+                                    </p:set>
+                                  </p:childTnLst>
+                                </p:cTn>
+                              </p:par>
+                            </p:childTnLst>
+                          </p:cTn>
+                        </p:par>
+                      </p:childTnLst>
+                    </p:cTn>
+                  </p:par>
+                </p:childTnLst>
+              </p:cTn>
+              <p:prevCondLst>
+                <p:cond evt="onPrev" delay="0">
+                  <p:tgtEl>
+                    <p:sldTgt/>
+                  </p:tgtEl>
+                </p:cond>
+              </p:prevCondLst>
+              <p:nextCondLst>
+                <p:cond evt="onNext" delay="0">
+                  <p:tgtEl>
+                    <p:sldTgt/>
+                  </p:tgtEl>
+                </p:cond>
+              </p:nextCondLst>
+            </p:seq>
+          </p:childTnLst>
+        </p:cTn>
+      </p:par>
+    </p:tnLst>
+  </p:timing>
 </p:sld>
 </file>
 
@@ -3677,4 +6814,299 @@
     </a:ext>
   </a:extLst>
 </a:theme>
+</file>
+
+<file path=ppt/theme/theme2.xml><?xml version="1.0" encoding="utf-8"?>
+<a:theme xmlns:a="http://schemas.openxmlformats.org/drawingml/2006/main" name="Office 佈景主題">
+  <a:themeElements>
+    <a:clrScheme name="Office">
+      <a:dk1>
+        <a:sysClr val="windowText" lastClr="000000"/>
+      </a:dk1>
+      <a:lt1>
+        <a:sysClr val="window" lastClr="FFFFFF"/>
+      </a:lt1>
+      <a:dk2>
+        <a:srgbClr val="44546A"/>
+      </a:dk2>
+      <a:lt2>
+        <a:srgbClr val="E7E6E6"/>
+      </a:lt2>
+      <a:accent1>
+        <a:srgbClr val="4472C4"/>
+      </a:accent1>
+      <a:accent2>
+        <a:srgbClr val="ED7D31"/>
+      </a:accent2>
+      <a:accent3>
+        <a:srgbClr val="A5A5A5"/>
+      </a:accent3>
+      <a:accent4>
+        <a:srgbClr val="FFC000"/>
+      </a:accent4>
+      <a:accent5>
+        <a:srgbClr val="5B9BD5"/>
+      </a:accent5>
+      <a:accent6>
+        <a:srgbClr val="70AD47"/>
+      </a:accent6>
+      <a:hlink>
+        <a:srgbClr val="0563C1"/>
+      </a:hlink>
+      <a:folHlink>
+        <a:srgbClr val="954F72"/>
+      </a:folHlink>
+    </a:clrScheme>
+    <a:fontScheme name="Office">
+      <a:majorFont>
+        <a:latin typeface="Calibri Light" panose="020F0302020204030204"/>
+        <a:ea typeface=""/>
+        <a:cs typeface=""/>
+        <a:font script="Jpan" typeface="游ゴシック Light"/>
+        <a:font script="Hang" typeface="맑은 고딕"/>
+        <a:font script="Hans" typeface="等线 Light"/>
+        <a:font script="Hant" typeface="新細明體"/>
+        <a:font script="Arab" typeface="Times New Roman"/>
+        <a:font script="Hebr" typeface="Times New Roman"/>
+        <a:font script="Thai" typeface="Angsana New"/>
+        <a:font script="Ethi" typeface="Nyala"/>
+        <a:font script="Beng" typeface="Vrinda"/>
+        <a:font script="Gujr" typeface="Shruti"/>
+        <a:font script="Khmr" typeface="MoolBoran"/>
+        <a:font script="Knda" typeface="Tunga"/>
+        <a:font script="Guru" typeface="Raavi"/>
+        <a:font script="Cans" typeface="Euphemia"/>
+        <a:font script="Cher" typeface="Plantagenet Cherokee"/>
+        <a:font script="Yiii" typeface="Microsoft Yi Baiti"/>
+        <a:font script="Tibt" typeface="Microsoft Himalaya"/>
+        <a:font script="Thaa" typeface="MV Boli"/>
+        <a:font script="Deva" typeface="Mangal"/>
+        <a:font script="Telu" typeface="Gautami"/>
+        <a:font script="Taml" typeface="Latha"/>
+        <a:font script="Syrc" typeface="Estrangelo Edessa"/>
+        <a:font script="Orya" typeface="Kalinga"/>
+        <a:font script="Mlym" typeface="Kartika"/>
+        <a:font script="Laoo" typeface="DokChampa"/>
+        <a:font script="Sinh" typeface="Iskoola Pota"/>
+        <a:font script="Mong" typeface="Mongolian Baiti"/>
+        <a:font script="Viet" typeface="Times New Roman"/>
+        <a:font script="Uigh" typeface="Microsoft Uighur"/>
+        <a:font script="Geor" typeface="Sylfaen"/>
+        <a:font script="Armn" typeface="Arial"/>
+        <a:font script="Bugi" typeface="Leelawadee UI"/>
+        <a:font script="Bopo" typeface="Microsoft JhengHei"/>
+        <a:font script="Java" typeface="Javanese Text"/>
+        <a:font script="Lisu" typeface="Segoe UI"/>
+        <a:font script="Mymr" typeface="Myanmar Text"/>
+        <a:font script="Nkoo" typeface="Ebrima"/>
+        <a:font script="Olck" typeface="Nirmala UI"/>
+        <a:font script="Osma" typeface="Ebrima"/>
+        <a:font script="Phag" typeface="Phagspa"/>
+        <a:font script="Syrn" typeface="Estrangelo Edessa"/>
+        <a:font script="Syrj" typeface="Estrangelo Edessa"/>
+        <a:font script="Syre" typeface="Estrangelo Edessa"/>
+        <a:font script="Sora" typeface="Nirmala UI"/>
+        <a:font script="Tale" typeface="Microsoft Tai Le"/>
+        <a:font script="Talu" typeface="Microsoft New Tai Lue"/>
+        <a:font script="Tfng" typeface="Ebrima"/>
+      </a:majorFont>
+      <a:minorFont>
+        <a:latin typeface="Calibri" panose="020F0502020204030204"/>
+        <a:ea typeface=""/>
+        <a:cs typeface=""/>
+        <a:font script="Jpan" typeface="游ゴシック"/>
+        <a:font script="Hang" typeface="맑은 고딕"/>
+        <a:font script="Hans" typeface="等线"/>
+        <a:font script="Hant" typeface="新細明體"/>
+        <a:font script="Arab" typeface="Arial"/>
+        <a:font script="Hebr" typeface="Arial"/>
+        <a:font script="Thai" typeface="Cordia New"/>
+        <a:font script="Ethi" typeface="Nyala"/>
+        <a:font script="Beng" typeface="Vrinda"/>
+        <a:font script="Gujr" typeface="Shruti"/>
+        <a:font script="Khmr" typeface="DaunPenh"/>
+        <a:font script="Knda" typeface="Tunga"/>
+        <a:font script="Guru" typeface="Raavi"/>
+        <a:font script="Cans" typeface="Euphemia"/>
+        <a:font script="Cher" typeface="Plantagenet Cherokee"/>
+        <a:font script="Yiii" typeface="Microsoft Yi Baiti"/>
+        <a:font script="Tibt" typeface="Microsoft Himalaya"/>
+        <a:font script="Thaa" typeface="MV Boli"/>
+        <a:font script="Deva" typeface="Mangal"/>
+        <a:font script="Telu" typeface="Gautami"/>
+        <a:font script="Taml" typeface="Latha"/>
+        <a:font script="Syrc" typeface="Estrangelo Edessa"/>
+        <a:font script="Orya" typeface="Kalinga"/>
+        <a:font script="Mlym" typeface="Kartika"/>
+        <a:font script="Laoo" typeface="DokChampa"/>
+        <a:font script="Sinh" typeface="Iskoola Pota"/>
+        <a:font script="Mong" typeface="Mongolian Baiti"/>
+        <a:font script="Viet" typeface="Arial"/>
+        <a:font script="Uigh" typeface="Microsoft Uighur"/>
+        <a:font script="Geor" typeface="Sylfaen"/>
+        <a:font script="Armn" typeface="Arial"/>
+        <a:font script="Bugi" typeface="Leelawadee UI"/>
+        <a:font script="Bopo" typeface="Microsoft JhengHei"/>
+        <a:font script="Java" typeface="Javanese Text"/>
+        <a:font script="Lisu" typeface="Segoe UI"/>
+        <a:font script="Mymr" typeface="Myanmar Text"/>
+        <a:font script="Nkoo" typeface="Ebrima"/>
+        <a:font script="Olck" typeface="Nirmala UI"/>
+        <a:font script="Osma" typeface="Ebrima"/>
+        <a:font script="Phag" typeface="Phagspa"/>
+        <a:font script="Syrn" typeface="Estrangelo Edessa"/>
+        <a:font script="Syrj" typeface="Estrangelo Edessa"/>
+        <a:font script="Syre" typeface="Estrangelo Edessa"/>
+        <a:font script="Sora" typeface="Nirmala UI"/>
+        <a:font script="Tale" typeface="Microsoft Tai Le"/>
+        <a:font script="Talu" typeface="Microsoft New Tai Lue"/>
+        <a:font script="Tfng" typeface="Ebrima"/>
+      </a:minorFont>
+    </a:fontScheme>
+    <a:fmtScheme name="Office">
+      <a:fillStyleLst>
+        <a:solidFill>
+          <a:schemeClr val="phClr"/>
+        </a:solidFill>
+        <a:gradFill rotWithShape="1">
+          <a:gsLst>
+            <a:gs pos="0">
+              <a:schemeClr val="phClr">
+                <a:lumMod val="110000"/>
+                <a:satMod val="105000"/>
+                <a:tint val="67000"/>
+              </a:schemeClr>
+            </a:gs>
+            <a:gs pos="50000">
+              <a:schemeClr val="phClr">
+                <a:lumMod val="105000"/>
+                <a:satMod val="103000"/>
+                <a:tint val="73000"/>
+              </a:schemeClr>
+            </a:gs>
+            <a:gs pos="100000">
+              <a:schemeClr val="phClr">
+                <a:lumMod val="105000"/>
+                <a:satMod val="109000"/>
+                <a:tint val="81000"/>
+              </a:schemeClr>
+            </a:gs>
+          </a:gsLst>
+          <a:lin ang="5400000" scaled="0"/>
+        </a:gradFill>
+        <a:gradFill rotWithShape="1">
+          <a:gsLst>
+            <a:gs pos="0">
+              <a:schemeClr val="phClr">
+                <a:satMod val="103000"/>
+                <a:lumMod val="102000"/>
+                <a:tint val="94000"/>
+              </a:schemeClr>
+            </a:gs>
+            <a:gs pos="50000">
+              <a:schemeClr val="phClr">
+                <a:satMod val="110000"/>
+                <a:lumMod val="100000"/>
+                <a:shade val="100000"/>
+              </a:schemeClr>
+            </a:gs>
+            <a:gs pos="100000">
+              <a:schemeClr val="phClr">
+                <a:lumMod val="99000"/>
+                <a:satMod val="120000"/>
+                <a:shade val="78000"/>
+              </a:schemeClr>
+            </a:gs>
+          </a:gsLst>
+          <a:lin ang="5400000" scaled="0"/>
+        </a:gradFill>
+      </a:fillStyleLst>
+      <a:lnStyleLst>
+        <a:ln w="6350" cap="flat" cmpd="sng" algn="ctr">
+          <a:solidFill>
+            <a:schemeClr val="phClr"/>
+          </a:solidFill>
+          <a:prstDash val="solid"/>
+          <a:miter lim="800000"/>
+        </a:ln>
+        <a:ln w="12700" cap="flat" cmpd="sng" algn="ctr">
+          <a:solidFill>
+            <a:schemeClr val="phClr"/>
+          </a:solidFill>
+          <a:prstDash val="solid"/>
+          <a:miter lim="800000"/>
+        </a:ln>
+        <a:ln w="19050" cap="flat" cmpd="sng" algn="ctr">
+          <a:solidFill>
+            <a:schemeClr val="phClr"/>
+          </a:solidFill>
+          <a:prstDash val="solid"/>
+          <a:miter lim="800000"/>
+        </a:ln>
+      </a:lnStyleLst>
+      <a:effectStyleLst>
+        <a:effectStyle>
+          <a:effectLst/>
+        </a:effectStyle>
+        <a:effectStyle>
+          <a:effectLst/>
+        </a:effectStyle>
+        <a:effectStyle>
+          <a:effectLst>
+            <a:outerShdw blurRad="57150" dist="19050" dir="5400000" algn="ctr" rotWithShape="0">
+              <a:srgbClr val="000000">
+                <a:alpha val="63000"/>
+              </a:srgbClr>
+            </a:outerShdw>
+          </a:effectLst>
+        </a:effectStyle>
+      </a:effectStyleLst>
+      <a:bgFillStyleLst>
+        <a:solidFill>
+          <a:schemeClr val="phClr"/>
+        </a:solidFill>
+        <a:solidFill>
+          <a:schemeClr val="phClr">
+            <a:tint val="95000"/>
+            <a:satMod val="170000"/>
+          </a:schemeClr>
+        </a:solidFill>
+        <a:gradFill rotWithShape="1">
+          <a:gsLst>
+            <a:gs pos="0">
+              <a:schemeClr val="phClr">
+                <a:tint val="93000"/>
+                <a:satMod val="150000"/>
+                <a:shade val="98000"/>
+                <a:lumMod val="102000"/>
+              </a:schemeClr>
+            </a:gs>
+            <a:gs pos="50000">
+              <a:schemeClr val="phClr">
+                <a:tint val="98000"/>
+                <a:satMod val="130000"/>
+                <a:shade val="90000"/>
+                <a:lumMod val="103000"/>
+              </a:schemeClr>
+            </a:gs>
+            <a:gs pos="100000">
+              <a:schemeClr val="phClr">
+                <a:shade val="63000"/>
+                <a:satMod val="120000"/>
+              </a:schemeClr>
+            </a:gs>
+          </a:gsLst>
+          <a:lin ang="5400000" scaled="0"/>
+        </a:gradFill>
+      </a:bgFillStyleLst>
+    </a:fmtScheme>
+  </a:themeElements>
+  <a:objectDefaults/>
+  <a:extraClrSchemeLst/>
+  <a:extLst>
+    <a:ext uri="{05A4C25C-085E-4340-85A3-A5531E510DB2}">
+      <thm15:themeFamily xmlns:thm15="http://schemas.microsoft.com/office/thememl/2012/main" name="Office Theme" id="{62F939B6-93AF-4DB8-9C6B-D6C7DFDC589F}" vid="{4A3C46E8-61CC-4603-A589-7422A47A8E4A}"/>
+    </a:ext>
+  </a:extLst>
+</a:theme>
 </file>